--- a/report.pptx
+++ b/report.pptx
@@ -11,12 +11,12 @@
     <p:sldId id="257" r:id="rId2"/>
     <p:sldId id="267" r:id="rId3"/>
     <p:sldId id="258" r:id="rId4"/>
-    <p:sldId id="259" r:id="rId5"/>
-    <p:sldId id="268" r:id="rId6"/>
-    <p:sldId id="260" r:id="rId7"/>
-    <p:sldId id="269" r:id="rId8"/>
-    <p:sldId id="261" r:id="rId9"/>
-    <p:sldId id="262" r:id="rId10"/>
+    <p:sldId id="268" r:id="rId5"/>
+    <p:sldId id="260" r:id="rId6"/>
+    <p:sldId id="269" r:id="rId7"/>
+    <p:sldId id="261" r:id="rId8"/>
+    <p:sldId id="262" r:id="rId9"/>
+    <p:sldId id="259" r:id="rId10"/>
     <p:sldId id="273" r:id="rId11"/>
     <p:sldId id="263" r:id="rId12"/>
     <p:sldId id="264" r:id="rId13"/>
@@ -2944,7 +2944,7 @@
           <a:p>
             <a:fld id="{31C7827D-D9D5-49D1-8399-AF879AB89504}" type="datetimeFigureOut">
               <a:rPr lang="zh-CN" altLang="en-US" smtClean="0"/>
-              <a:t>2019/5/9</a:t>
+              <a:t>2019/5/10</a:t>
             </a:fld>
             <a:endParaRPr lang="zh-CN" altLang="en-US"/>
           </a:p>
@@ -3424,7 +3424,7 @@
           <a:p>
             <a:fld id="{1882FF63-23AE-4829-B407-D978639664D2}" type="datetimeFigureOut">
               <a:rPr lang="zh-CN" altLang="en-US" smtClean="0"/>
-              <a:t>2019/5/9</a:t>
+              <a:t>2019/5/10</a:t>
             </a:fld>
             <a:endParaRPr lang="zh-CN" altLang="en-US"/>
           </a:p>
@@ -3592,7 +3592,7 @@
           <a:p>
             <a:fld id="{1882FF63-23AE-4829-B407-D978639664D2}" type="datetimeFigureOut">
               <a:rPr lang="zh-CN" altLang="en-US" smtClean="0"/>
-              <a:t>2019/5/9</a:t>
+              <a:t>2019/5/10</a:t>
             </a:fld>
             <a:endParaRPr lang="zh-CN" altLang="en-US"/>
           </a:p>
@@ -3770,7 +3770,7 @@
           <a:p>
             <a:fld id="{1882FF63-23AE-4829-B407-D978639664D2}" type="datetimeFigureOut">
               <a:rPr lang="zh-CN" altLang="en-US" smtClean="0"/>
-              <a:t>2019/5/9</a:t>
+              <a:t>2019/5/10</a:t>
             </a:fld>
             <a:endParaRPr lang="zh-CN" altLang="en-US"/>
           </a:p>
@@ -3938,7 +3938,7 @@
           <a:p>
             <a:fld id="{01443E4B-FAA3-4C56-9950-2F8989416F66}" type="datetimeFigureOut">
               <a:rPr lang="zh-CN" altLang="en-US" smtClean="0"/>
-              <a:t>2019/5/9</a:t>
+              <a:t>2019/5/10</a:t>
             </a:fld>
             <a:endParaRPr lang="zh-CN" altLang="en-US"/>
           </a:p>
@@ -4106,7 +4106,7 @@
           <a:p>
             <a:fld id="{1882FF63-23AE-4829-B407-D978639664D2}" type="datetimeFigureOut">
               <a:rPr lang="zh-CN" altLang="en-US" smtClean="0"/>
-              <a:t>2019/5/9</a:t>
+              <a:t>2019/5/10</a:t>
             </a:fld>
             <a:endParaRPr lang="zh-CN" altLang="en-US"/>
           </a:p>
@@ -4351,7 +4351,7 @@
           <a:p>
             <a:fld id="{1882FF63-23AE-4829-B407-D978639664D2}" type="datetimeFigureOut">
               <a:rPr lang="zh-CN" altLang="en-US" smtClean="0"/>
-              <a:t>2019/5/9</a:t>
+              <a:t>2019/5/10</a:t>
             </a:fld>
             <a:endParaRPr lang="zh-CN" altLang="en-US"/>
           </a:p>
@@ -4580,7 +4580,7 @@
           <a:p>
             <a:fld id="{1882FF63-23AE-4829-B407-D978639664D2}" type="datetimeFigureOut">
               <a:rPr lang="zh-CN" altLang="en-US" smtClean="0"/>
-              <a:t>2019/5/9</a:t>
+              <a:t>2019/5/10</a:t>
             </a:fld>
             <a:endParaRPr lang="zh-CN" altLang="en-US"/>
           </a:p>
@@ -4944,7 +4944,7 @@
           <a:p>
             <a:fld id="{1882FF63-23AE-4829-B407-D978639664D2}" type="datetimeFigureOut">
               <a:rPr lang="zh-CN" altLang="en-US" smtClean="0"/>
-              <a:t>2019/5/9</a:t>
+              <a:t>2019/5/10</a:t>
             </a:fld>
             <a:endParaRPr lang="zh-CN" altLang="en-US"/>
           </a:p>
@@ -5061,7 +5061,7 @@
           <a:p>
             <a:fld id="{1882FF63-23AE-4829-B407-D978639664D2}" type="datetimeFigureOut">
               <a:rPr lang="zh-CN" altLang="en-US" smtClean="0"/>
-              <a:t>2019/5/9</a:t>
+              <a:t>2019/5/10</a:t>
             </a:fld>
             <a:endParaRPr lang="zh-CN" altLang="en-US"/>
           </a:p>
@@ -5156,7 +5156,7 @@
           <a:p>
             <a:fld id="{1882FF63-23AE-4829-B407-D978639664D2}" type="datetimeFigureOut">
               <a:rPr lang="zh-CN" altLang="en-US" smtClean="0"/>
-              <a:t>2019/5/9</a:t>
+              <a:t>2019/5/10</a:t>
             </a:fld>
             <a:endParaRPr lang="zh-CN" altLang="en-US"/>
           </a:p>
@@ -5431,7 +5431,7 @@
           <a:p>
             <a:fld id="{1882FF63-23AE-4829-B407-D978639664D2}" type="datetimeFigureOut">
               <a:rPr lang="zh-CN" altLang="en-US" smtClean="0"/>
-              <a:t>2019/5/9</a:t>
+              <a:t>2019/5/10</a:t>
             </a:fld>
             <a:endParaRPr lang="zh-CN" altLang="en-US"/>
           </a:p>
@@ -5683,7 +5683,7 @@
           <a:p>
             <a:fld id="{1882FF63-23AE-4829-B407-D978639664D2}" type="datetimeFigureOut">
               <a:rPr lang="zh-CN" altLang="en-US" smtClean="0"/>
-              <a:t>2019/5/9</a:t>
+              <a:t>2019/5/10</a:t>
             </a:fld>
             <a:endParaRPr lang="zh-CN" altLang="en-US"/>
           </a:p>
@@ -5901,7 +5901,7 @@
             <a:fld id="{1882FF63-23AE-4829-B407-D978639664D2}" type="datetimeFigureOut">
               <a:rPr lang="zh-CN" altLang="en-US" smtClean="0"/>
               <a:pPr/>
-              <a:t>2019/5/9</a:t>
+              <a:t>2019/5/10</a:t>
             </a:fld>
             <a:endParaRPr lang="zh-CN" altLang="en-US" dirty="0"/>
           </a:p>
@@ -10167,7 +10167,7 @@
         <p:spPr>
           <a:xfrm>
             <a:off x="1692441" y="2348894"/>
-            <a:ext cx="1210588" cy="1895519"/>
+            <a:ext cx="1042145" cy="1895455"/>
           </a:xfrm>
           <a:prstGeom prst="rect">
             <a:avLst/>
@@ -10223,7 +10223,7 @@
                 <a:latin typeface="微软雅黑" panose="020B0503020204020204" pitchFamily="34" charset="-122"/>
                 <a:ea typeface="微软雅黑" panose="020B0503020204020204" pitchFamily="34" charset="-122"/>
               </a:rPr>
-              <a:t>大学自治</a:t>
+              <a:t>通信</a:t>
             </a:r>
             <a:endParaRPr lang="en-US" altLang="zh-CN" sz="1600" dirty="0">
               <a:solidFill>
@@ -10251,7 +10251,7 @@
                 <a:latin typeface="微软雅黑" panose="020B0503020204020204" pitchFamily="34" charset="-122"/>
                 <a:ea typeface="微软雅黑" panose="020B0503020204020204" pitchFamily="34" charset="-122"/>
               </a:rPr>
-              <a:t>学术自由</a:t>
+              <a:t>隐藏</a:t>
             </a:r>
             <a:endParaRPr lang="en-US" altLang="zh-CN" sz="1600" dirty="0">
               <a:solidFill>
@@ -10279,7 +10279,7 @@
                 <a:latin typeface="微软雅黑" panose="020B0503020204020204" pitchFamily="34" charset="-122"/>
                 <a:ea typeface="微软雅黑" panose="020B0503020204020204" pitchFamily="34" charset="-122"/>
               </a:rPr>
-              <a:t>同权论</a:t>
+              <a:t>扫描</a:t>
             </a:r>
             <a:endParaRPr lang="en-US" altLang="zh-CN" sz="1600" dirty="0">
               <a:solidFill>
@@ -10307,7 +10307,7 @@
                 <a:latin typeface="微软雅黑" panose="020B0503020204020204" pitchFamily="34" charset="-122"/>
                 <a:ea typeface="微软雅黑" panose="020B0503020204020204" pitchFamily="34" charset="-122"/>
               </a:rPr>
-              <a:t>制度保障论</a:t>
+              <a:t>渗透</a:t>
             </a:r>
           </a:p>
         </p:txBody>
@@ -10419,6 +10419,1669 @@
 </file>
 
 <file path=ppt/slides/slide4.xml><?xml version="1.0" encoding="utf-8"?>
+<p:sld xmlns:a="http://schemas.openxmlformats.org/drawingml/2006/main" xmlns:r="http://schemas.openxmlformats.org/officeDocument/2006/relationships" xmlns:p="http://schemas.openxmlformats.org/presentationml/2006/main">
+  <p:cSld>
+    <p:spTree>
+      <p:nvGrpSpPr>
+        <p:cNvPr id="1" name=""/>
+        <p:cNvGrpSpPr/>
+        <p:nvPr/>
+      </p:nvGrpSpPr>
+      <p:grpSpPr>
+        <a:xfrm>
+          <a:off x="0" y="0"/>
+          <a:ext cx="0" cy="0"/>
+          <a:chOff x="0" y="0"/>
+          <a:chExt cx="0" cy="0"/>
+        </a:xfrm>
+      </p:grpSpPr>
+      <p:sp>
+        <p:nvSpPr>
+          <p:cNvPr id="2" name="标题 1"/>
+          <p:cNvSpPr>
+            <a:spLocks noGrp="1"/>
+          </p:cNvSpPr>
+          <p:nvPr>
+            <p:ph type="title"/>
+          </p:nvPr>
+        </p:nvSpPr>
+        <p:spPr>
+          <a:xfrm>
+            <a:off x="852714" y="336096"/>
+            <a:ext cx="10515600" cy="1325563"/>
+          </a:xfrm>
+        </p:spPr>
+        <p:txBody>
+          <a:bodyPr/>
+          <a:lstStyle/>
+          <a:p>
+            <a:pPr marR="0" rtl="0"/>
+            <a:r>
+              <a:rPr lang="zh-CN" altLang="en-US" b="1" i="0" u="none" strike="noStrike" kern="2200" baseline="0" dirty="0">
+                <a:latin typeface="Times New Roman" panose="02020603050405020304" pitchFamily="18" charset="0"/>
+              </a:rPr>
+              <a:t>通信回传</a:t>
+            </a:r>
+          </a:p>
+        </p:txBody>
+      </p:sp>
+      <p:sp>
+        <p:nvSpPr>
+          <p:cNvPr id="3" name="文本占位符 2"/>
+          <p:cNvSpPr>
+            <a:spLocks noGrp="1"/>
+          </p:cNvSpPr>
+          <p:nvPr>
+            <p:ph type="body" idx="1"/>
+          </p:nvPr>
+        </p:nvSpPr>
+        <p:spPr>
+          <a:xfrm>
+            <a:off x="838200" y="1955121"/>
+            <a:ext cx="6230257" cy="4351338"/>
+          </a:xfrm>
+        </p:spPr>
+        <p:txBody>
+          <a:bodyPr>
+            <a:normAutofit/>
+          </a:bodyPr>
+          <a:lstStyle/>
+          <a:p>
+            <a:pPr marL="0" marR="0" lvl="0" indent="0" rtl="0">
+              <a:lnSpc>
+                <a:spcPct val="150000"/>
+              </a:lnSpc>
+              <a:buNone/>
+            </a:pPr>
+            <a:r>
+              <a:rPr lang="zh-CN" altLang="en-US" sz="1600" i="0" u="none" strike="noStrike" kern="100" baseline="0" dirty="0">
+                <a:solidFill>
+                  <a:srgbClr val="0070C0"/>
+                </a:solidFill>
+                <a:latin typeface="Calibri Light" panose="020F0302020204030204" pitchFamily="34" charset="0"/>
+              </a:rPr>
+              <a:t>使用</a:t>
+            </a:r>
+            <a:r>
+              <a:rPr lang="en-US" altLang="zh-CN" sz="1600" i="0" u="none" strike="noStrike" kern="100" baseline="0" dirty="0">
+                <a:solidFill>
+                  <a:srgbClr val="0070C0"/>
+                </a:solidFill>
+                <a:latin typeface="Calibri Light" panose="020F0302020204030204" pitchFamily="34" charset="0"/>
+              </a:rPr>
+              <a:t>socket</a:t>
+            </a:r>
+            <a:r>
+              <a:rPr lang="zh-CN" altLang="en-US" sz="1600" i="0" u="none" strike="noStrike" kern="100" baseline="0" dirty="0">
+                <a:solidFill>
+                  <a:srgbClr val="0070C0"/>
+                </a:solidFill>
+                <a:latin typeface="Calibri Light" panose="020F0302020204030204" pitchFamily="34" charset="0"/>
+              </a:rPr>
+              <a:t>模块，将受害靶机作为客户机，主动连接我们的攻击机，在攻击机开启监听端口，等待来自靶机的连接</a:t>
+            </a:r>
+            <a:r>
+              <a:rPr lang="en-US" altLang="zh-CN" sz="1600" i="0" u="none" strike="noStrike" kern="100" baseline="0" dirty="0">
+                <a:solidFill>
+                  <a:srgbClr val="0070C0"/>
+                </a:solidFill>
+                <a:latin typeface="Calibri Light" panose="020F0302020204030204" pitchFamily="34" charset="0"/>
+              </a:rPr>
+              <a:t>;</a:t>
+            </a:r>
+          </a:p>
+          <a:p>
+            <a:pPr marL="0" marR="0" lvl="0" indent="0" rtl="0">
+              <a:lnSpc>
+                <a:spcPct val="150000"/>
+              </a:lnSpc>
+              <a:buNone/>
+            </a:pPr>
+            <a:r>
+              <a:rPr lang="zh-CN" altLang="en-US" sz="1600" i="0" u="none" strike="noStrike" kern="100" baseline="0" dirty="0">
+                <a:solidFill>
+                  <a:srgbClr val="0070C0"/>
+                </a:solidFill>
+                <a:latin typeface="Calibri Light" panose="020F0302020204030204" pitchFamily="34" charset="0"/>
+              </a:rPr>
+              <a:t>靶机上放置我们已经编译好的</a:t>
+            </a:r>
+            <a:r>
+              <a:rPr lang="en-US" altLang="zh-CN" sz="1600" i="0" u="none" strike="noStrike" kern="100" baseline="0" dirty="0">
+                <a:solidFill>
+                  <a:srgbClr val="0070C0"/>
+                </a:solidFill>
+                <a:latin typeface="Calibri Light" panose="020F0302020204030204" pitchFamily="34" charset="0"/>
+              </a:rPr>
+              <a:t>elf</a:t>
+            </a:r>
+            <a:r>
+              <a:rPr lang="zh-CN" altLang="en-US" sz="1600" i="0" u="none" strike="noStrike" kern="100" baseline="0" dirty="0">
+                <a:solidFill>
+                  <a:srgbClr val="0070C0"/>
+                </a:solidFill>
+                <a:latin typeface="Calibri Light" panose="020F0302020204030204" pitchFamily="34" charset="0"/>
+              </a:rPr>
+              <a:t>可执行文件，通过一个</a:t>
+            </a:r>
+            <a:r>
+              <a:rPr lang="en-US" altLang="zh-CN" sz="1600" i="0" u="none" strike="noStrike" kern="100" baseline="0" dirty="0">
+                <a:solidFill>
+                  <a:srgbClr val="0070C0"/>
+                </a:solidFill>
+                <a:latin typeface="Calibri Light" panose="020F0302020204030204" pitchFamily="34" charset="0"/>
+              </a:rPr>
+              <a:t>shell</a:t>
+            </a:r>
+            <a:r>
+              <a:rPr lang="zh-CN" altLang="en-US" sz="1600" i="0" u="none" strike="noStrike" kern="100" baseline="0" dirty="0">
+                <a:solidFill>
+                  <a:srgbClr val="0070C0"/>
+                </a:solidFill>
+                <a:latin typeface="Calibri Light" panose="020F0302020204030204" pitchFamily="34" charset="0"/>
+              </a:rPr>
+              <a:t>脚本启动</a:t>
+            </a:r>
+            <a:endParaRPr lang="en-US" altLang="zh-CN" sz="1600" i="0" u="none" strike="noStrike" kern="100" baseline="0" dirty="0">
+              <a:solidFill>
+                <a:srgbClr val="0070C0"/>
+              </a:solidFill>
+              <a:latin typeface="Calibri Light" panose="020F0302020204030204" pitchFamily="34" charset="0"/>
+            </a:endParaRPr>
+          </a:p>
+          <a:p>
+            <a:pPr marL="0" marR="0" lvl="0" indent="0" rtl="0">
+              <a:lnSpc>
+                <a:spcPct val="150000"/>
+              </a:lnSpc>
+              <a:buNone/>
+            </a:pPr>
+            <a:endParaRPr lang="en-US" altLang="zh-CN" sz="1600" i="0" u="none" strike="noStrike" kern="100" baseline="0" dirty="0">
+              <a:latin typeface="Times New Roman" panose="02020603050405020304" pitchFamily="18" charset="0"/>
+            </a:endParaRPr>
+          </a:p>
+          <a:p>
+            <a:pPr marL="0" marR="0" lvl="0" indent="0" rtl="0">
+              <a:lnSpc>
+                <a:spcPct val="150000"/>
+              </a:lnSpc>
+              <a:buNone/>
+            </a:pPr>
+            <a:endParaRPr lang="en-US" altLang="zh-CN" sz="1600" kern="100" dirty="0">
+              <a:latin typeface="Times New Roman" panose="02020603050405020304" pitchFamily="18" charset="0"/>
+            </a:endParaRPr>
+          </a:p>
+          <a:p>
+            <a:pPr marL="0" marR="0" lvl="0" indent="0" rtl="0">
+              <a:lnSpc>
+                <a:spcPct val="150000"/>
+              </a:lnSpc>
+              <a:buNone/>
+            </a:pPr>
+            <a:endParaRPr lang="en-US" altLang="zh-CN" sz="1600" i="0" u="none" strike="noStrike" kern="100" baseline="0" dirty="0">
+              <a:latin typeface="Times New Roman" panose="02020603050405020304" pitchFamily="18" charset="0"/>
+            </a:endParaRPr>
+          </a:p>
+          <a:p>
+            <a:pPr marL="0" marR="0" lvl="0" indent="0" rtl="0">
+              <a:lnSpc>
+                <a:spcPct val="150000"/>
+              </a:lnSpc>
+              <a:buNone/>
+            </a:pPr>
+            <a:r>
+              <a:rPr lang="zh-CN" altLang="en-US" sz="1600" i="0" u="none" strike="noStrike" kern="100" baseline="0" dirty="0">
+                <a:latin typeface="Times New Roman" panose="02020603050405020304" pitchFamily="18" charset="0"/>
+              </a:rPr>
+              <a:t>这是靶机</a:t>
+            </a:r>
+            <a:endParaRPr lang="en-US" altLang="zh-CN" sz="1600" i="0" u="none" strike="noStrike" kern="100" baseline="0" dirty="0">
+              <a:latin typeface="Times New Roman" panose="02020603050405020304" pitchFamily="18" charset="0"/>
+            </a:endParaRPr>
+          </a:p>
+        </p:txBody>
+      </p:sp>
+      <p:sp>
+        <p:nvSpPr>
+          <p:cNvPr id="4" name="圆角矩形 3"/>
+          <p:cNvSpPr/>
+          <p:nvPr/>
+        </p:nvSpPr>
+        <p:spPr>
+          <a:xfrm>
+            <a:off x="286658" y="0"/>
+            <a:ext cx="551542" cy="1219200"/>
+          </a:xfrm>
+          <a:prstGeom prst="roundRect">
+            <a:avLst>
+              <a:gd name="adj" fmla="val 0"/>
+            </a:avLst>
+          </a:prstGeom>
+          <a:solidFill>
+            <a:srgbClr val="0070C0"/>
+          </a:solidFill>
+          <a:ln>
+            <a:noFill/>
+          </a:ln>
+        </p:spPr>
+        <p:style>
+          <a:lnRef idx="2">
+            <a:schemeClr val="accent1">
+              <a:shade val="50000"/>
+            </a:schemeClr>
+          </a:lnRef>
+          <a:fillRef idx="1">
+            <a:schemeClr val="accent1"/>
+          </a:fillRef>
+          <a:effectRef idx="0">
+            <a:schemeClr val="accent1"/>
+          </a:effectRef>
+          <a:fontRef idx="minor">
+            <a:schemeClr val="lt1"/>
+          </a:fontRef>
+        </p:style>
+        <p:txBody>
+          <a:bodyPr rtlCol="0" anchor="b"/>
+          <a:lstStyle/>
+          <a:p>
+            <a:pPr algn="ctr"/>
+            <a:r>
+              <a:rPr lang="en-US" altLang="zh-CN" sz="2800" dirty="0"/>
+              <a:t>01</a:t>
+            </a:r>
+            <a:endParaRPr lang="zh-CN" altLang="en-US" sz="2800" dirty="0"/>
+          </a:p>
+        </p:txBody>
+      </p:sp>
+      <p:pic>
+        <p:nvPicPr>
+          <p:cNvPr id="5" name="Picture 4">
+            <a:extLst>
+              <a:ext uri="{FF2B5EF4-FFF2-40B4-BE49-F238E27FC236}">
+                <a16:creationId xmlns:a16="http://schemas.microsoft.com/office/drawing/2014/main" id="{FC552AC0-2ABC-E342-A424-5B76291D7D8B}"/>
+              </a:ext>
+            </a:extLst>
+          </p:cNvPr>
+          <p:cNvPicPr>
+            <a:picLocks noChangeAspect="1"/>
+          </p:cNvPicPr>
+          <p:nvPr/>
+        </p:nvPicPr>
+        <p:blipFill>
+          <a:blip r:embed="rId2"/>
+          <a:stretch>
+            <a:fillRect/>
+          </a:stretch>
+        </p:blipFill>
+        <p:spPr>
+          <a:xfrm>
+            <a:off x="562429" y="3806613"/>
+            <a:ext cx="7474210" cy="1114168"/>
+          </a:xfrm>
+          <a:prstGeom prst="rect">
+            <a:avLst/>
+          </a:prstGeom>
+        </p:spPr>
+      </p:pic>
+      <p:pic>
+        <p:nvPicPr>
+          <p:cNvPr id="7" name="Picture 6">
+            <a:extLst>
+              <a:ext uri="{FF2B5EF4-FFF2-40B4-BE49-F238E27FC236}">
+                <a16:creationId xmlns:a16="http://schemas.microsoft.com/office/drawing/2014/main" id="{C73A084E-DEE7-A249-89BB-13F165457AFF}"/>
+              </a:ext>
+            </a:extLst>
+          </p:cNvPr>
+          <p:cNvPicPr>
+            <a:picLocks noChangeAspect="1"/>
+          </p:cNvPicPr>
+          <p:nvPr/>
+        </p:nvPicPr>
+        <p:blipFill>
+          <a:blip r:embed="rId3"/>
+          <a:stretch>
+            <a:fillRect/>
+          </a:stretch>
+        </p:blipFill>
+        <p:spPr>
+          <a:xfrm>
+            <a:off x="4453348" y="3806613"/>
+            <a:ext cx="7738652" cy="1114168"/>
+          </a:xfrm>
+          <a:prstGeom prst="rect">
+            <a:avLst/>
+          </a:prstGeom>
+        </p:spPr>
+      </p:pic>
+      <p:sp>
+        <p:nvSpPr>
+          <p:cNvPr id="8" name="TextBox 7">
+            <a:extLst>
+              <a:ext uri="{FF2B5EF4-FFF2-40B4-BE49-F238E27FC236}">
+                <a16:creationId xmlns:a16="http://schemas.microsoft.com/office/drawing/2014/main" id="{728457E6-D7FC-7341-BE3B-D9FD25B7A88F}"/>
+              </a:ext>
+            </a:extLst>
+          </p:cNvPr>
+          <p:cNvSpPr txBox="1"/>
+          <p:nvPr/>
+        </p:nvSpPr>
+        <p:spPr>
+          <a:xfrm>
+            <a:off x="6110514" y="5287370"/>
+            <a:ext cx="4339650" cy="369332"/>
+          </a:xfrm>
+          <a:prstGeom prst="rect">
+            <a:avLst/>
+          </a:prstGeom>
+          <a:noFill/>
+        </p:spPr>
+        <p:txBody>
+          <a:bodyPr wrap="none" rtlCol="0">
+            <a:spAutoFit/>
+          </a:bodyPr>
+          <a:lstStyle/>
+          <a:p>
+            <a:r>
+              <a:rPr lang="zh-CN" altLang="en-US" dirty="0"/>
+              <a:t>这是攻击机，显示已经从靶机发来了连接</a:t>
+            </a:r>
+            <a:endParaRPr lang="en-US" dirty="0"/>
+          </a:p>
+        </p:txBody>
+      </p:sp>
+    </p:spTree>
+    <p:extLst>
+      <p:ext uri="{BB962C8B-B14F-4D97-AF65-F5344CB8AC3E}">
+        <p14:creationId xmlns:p14="http://schemas.microsoft.com/office/powerpoint/2010/main" val="3789480065"/>
+      </p:ext>
+    </p:extLst>
+  </p:cSld>
+  <p:clrMapOvr>
+    <a:masterClrMapping/>
+  </p:clrMapOvr>
+  <mc:AlternateContent xmlns:mc="http://schemas.openxmlformats.org/markup-compatibility/2006" xmlns:p14="http://schemas.microsoft.com/office/powerpoint/2010/main">
+    <mc:Choice Requires="p14">
+      <p:transition spd="med" p14:dur="700">
+        <p:fade/>
+      </p:transition>
+    </mc:Choice>
+    <mc:Fallback xmlns="">
+      <p:transition spd="med">
+        <p:fade/>
+      </p:transition>
+    </mc:Fallback>
+  </mc:AlternateContent>
+</p:sld>
+</file>
+
+<file path=ppt/slides/slide5.xml><?xml version="1.0" encoding="utf-8"?>
+<p:sld xmlns:a="http://schemas.openxmlformats.org/drawingml/2006/main" xmlns:r="http://schemas.openxmlformats.org/officeDocument/2006/relationships" xmlns:p="http://schemas.openxmlformats.org/presentationml/2006/main">
+  <p:cSld>
+    <p:spTree>
+      <p:nvGrpSpPr>
+        <p:cNvPr id="1" name=""/>
+        <p:cNvGrpSpPr/>
+        <p:nvPr/>
+      </p:nvGrpSpPr>
+      <p:grpSpPr>
+        <a:xfrm>
+          <a:off x="0" y="0"/>
+          <a:ext cx="0" cy="0"/>
+          <a:chOff x="0" y="0"/>
+          <a:chExt cx="0" cy="0"/>
+        </a:xfrm>
+      </p:grpSpPr>
+      <p:sp>
+        <p:nvSpPr>
+          <p:cNvPr id="2" name="标题 1"/>
+          <p:cNvSpPr>
+            <a:spLocks noGrp="1"/>
+          </p:cNvSpPr>
+          <p:nvPr>
+            <p:ph type="title"/>
+          </p:nvPr>
+        </p:nvSpPr>
+        <p:spPr/>
+        <p:txBody>
+          <a:bodyPr/>
+          <a:lstStyle/>
+          <a:p>
+            <a:pPr marR="0" rtl="0"/>
+            <a:r>
+              <a:rPr lang="zh-CN" altLang="en-US" b="1" i="0" u="none" strike="noStrike" kern="2200" baseline="0" dirty="0">
+                <a:latin typeface="Times New Roman" panose="02020603050405020304" pitchFamily="18" charset="0"/>
+              </a:rPr>
+              <a:t>通信回传</a:t>
+            </a:r>
+          </a:p>
+        </p:txBody>
+      </p:sp>
+      <p:sp>
+        <p:nvSpPr>
+          <p:cNvPr id="3" name="文本占位符 2"/>
+          <p:cNvSpPr>
+            <a:spLocks noGrp="1"/>
+          </p:cNvSpPr>
+          <p:nvPr>
+            <p:ph type="body" idx="1"/>
+          </p:nvPr>
+        </p:nvSpPr>
+        <p:spPr/>
+        <p:txBody>
+          <a:bodyPr/>
+          <a:lstStyle/>
+          <a:p>
+            <a:pPr marL="0" lvl="0" indent="0">
+              <a:lnSpc>
+                <a:spcPct val="150000"/>
+              </a:lnSpc>
+              <a:buNone/>
+            </a:pPr>
+            <a:r>
+              <a:rPr lang="zh-CN" altLang="en-US" i="0" u="none" strike="noStrike" kern="100" baseline="0" dirty="0">
+                <a:latin typeface="Times New Roman" panose="02020603050405020304" pitchFamily="18" charset="0"/>
+              </a:rPr>
+              <a:t>此时可以从攻击机进行远程命令的执行，</a:t>
+            </a:r>
+            <a:endParaRPr lang="en-US" altLang="zh-CN" i="0" u="none" strike="noStrike" kern="100" baseline="0" dirty="0">
+              <a:latin typeface="Times New Roman" panose="02020603050405020304" pitchFamily="18" charset="0"/>
+            </a:endParaRPr>
+          </a:p>
+          <a:p>
+            <a:pPr marL="0" lvl="0" indent="0">
+              <a:lnSpc>
+                <a:spcPct val="150000"/>
+              </a:lnSpc>
+              <a:buNone/>
+            </a:pPr>
+            <a:r>
+              <a:rPr lang="zh-CN" altLang="en-US" i="0" u="none" strike="noStrike" kern="100" baseline="0" dirty="0">
+                <a:latin typeface="Times New Roman" panose="02020603050405020304" pitchFamily="18" charset="0"/>
+              </a:rPr>
+              <a:t>可以看到，基本的命令已经能够执行了</a:t>
+            </a:r>
+            <a:endParaRPr lang="en-US" altLang="zh-CN" i="0" u="none" strike="noStrike" kern="100" baseline="0" dirty="0">
+              <a:latin typeface="Times New Roman" panose="02020603050405020304" pitchFamily="18" charset="0"/>
+            </a:endParaRPr>
+          </a:p>
+          <a:p>
+            <a:pPr marL="0" lvl="0" indent="0">
+              <a:lnSpc>
+                <a:spcPct val="150000"/>
+              </a:lnSpc>
+              <a:buNone/>
+            </a:pPr>
+            <a:r>
+              <a:rPr lang="zh-CN" altLang="en-US" i="0" u="none" strike="noStrike" kern="100" baseline="0" dirty="0">
+                <a:latin typeface="Times New Roman" panose="02020603050405020304" pitchFamily="18" charset="0"/>
+              </a:rPr>
+              <a:t>然后</a:t>
+            </a:r>
+            <a:r>
+              <a:rPr lang="zh-CN" altLang="en-US" kern="100" dirty="0">
+                <a:latin typeface="Times New Roman" panose="02020603050405020304" pitchFamily="18" charset="0"/>
+              </a:rPr>
+              <a:t>就</a:t>
+            </a:r>
+            <a:r>
+              <a:rPr lang="zh-CN" altLang="en-US" kern="100">
+                <a:latin typeface="Times New Roman" panose="02020603050405020304" pitchFamily="18" charset="0"/>
+              </a:rPr>
+              <a:t>是隐藏模块</a:t>
+            </a:r>
+            <a:endParaRPr lang="en-US" altLang="zh-CN" i="0" u="none" strike="noStrike" kern="100" baseline="0" dirty="0">
+              <a:latin typeface="Times New Roman" panose="02020603050405020304" pitchFamily="18" charset="0"/>
+            </a:endParaRPr>
+          </a:p>
+        </p:txBody>
+      </p:sp>
+      <p:sp>
+        <p:nvSpPr>
+          <p:cNvPr id="4" name="圆角矩形 3"/>
+          <p:cNvSpPr/>
+          <p:nvPr/>
+        </p:nvSpPr>
+        <p:spPr>
+          <a:xfrm>
+            <a:off x="286658" y="0"/>
+            <a:ext cx="551542" cy="1219200"/>
+          </a:xfrm>
+          <a:prstGeom prst="roundRect">
+            <a:avLst>
+              <a:gd name="adj" fmla="val 0"/>
+            </a:avLst>
+          </a:prstGeom>
+          <a:solidFill>
+            <a:srgbClr val="0070C0"/>
+          </a:solidFill>
+          <a:ln>
+            <a:noFill/>
+          </a:ln>
+        </p:spPr>
+        <p:style>
+          <a:lnRef idx="2">
+            <a:schemeClr val="accent1">
+              <a:shade val="50000"/>
+            </a:schemeClr>
+          </a:lnRef>
+          <a:fillRef idx="1">
+            <a:schemeClr val="accent1"/>
+          </a:fillRef>
+          <a:effectRef idx="0">
+            <a:schemeClr val="accent1"/>
+          </a:effectRef>
+          <a:fontRef idx="minor">
+            <a:schemeClr val="lt1"/>
+          </a:fontRef>
+        </p:style>
+        <p:txBody>
+          <a:bodyPr rtlCol="0" anchor="b"/>
+          <a:lstStyle/>
+          <a:p>
+            <a:pPr algn="ctr"/>
+            <a:r>
+              <a:rPr lang="en-US" altLang="zh-CN" sz="2800" dirty="0"/>
+              <a:t>01</a:t>
+            </a:r>
+            <a:endParaRPr lang="zh-CN" altLang="en-US" sz="2800" dirty="0"/>
+          </a:p>
+        </p:txBody>
+      </p:sp>
+      <p:pic>
+        <p:nvPicPr>
+          <p:cNvPr id="5" name="Picture 4">
+            <a:extLst>
+              <a:ext uri="{FF2B5EF4-FFF2-40B4-BE49-F238E27FC236}">
+                <a16:creationId xmlns:a16="http://schemas.microsoft.com/office/drawing/2014/main" id="{8137D224-9D02-6F49-8DFB-81D4DC464312}"/>
+              </a:ext>
+            </a:extLst>
+          </p:cNvPr>
+          <p:cNvPicPr>
+            <a:picLocks noChangeAspect="1"/>
+          </p:cNvPicPr>
+          <p:nvPr/>
+        </p:nvPicPr>
+        <p:blipFill>
+          <a:blip r:embed="rId2"/>
+          <a:stretch>
+            <a:fillRect/>
+          </a:stretch>
+        </p:blipFill>
+        <p:spPr>
+          <a:xfrm>
+            <a:off x="6267572" y="365125"/>
+            <a:ext cx="5637770" cy="6096658"/>
+          </a:xfrm>
+          <a:prstGeom prst="rect">
+            <a:avLst/>
+          </a:prstGeom>
+        </p:spPr>
+      </p:pic>
+    </p:spTree>
+    <p:extLst>
+      <p:ext uri="{BB962C8B-B14F-4D97-AF65-F5344CB8AC3E}">
+        <p14:creationId xmlns:p14="http://schemas.microsoft.com/office/powerpoint/2010/main" val="3554368027"/>
+      </p:ext>
+    </p:extLst>
+  </p:cSld>
+  <p:clrMapOvr>
+    <a:masterClrMapping/>
+  </p:clrMapOvr>
+  <mc:AlternateContent xmlns:mc="http://schemas.openxmlformats.org/markup-compatibility/2006" xmlns:p14="http://schemas.microsoft.com/office/powerpoint/2010/main">
+    <mc:Choice Requires="p14">
+      <p:transition spd="med" p14:dur="700">
+        <p:fade/>
+      </p:transition>
+    </mc:Choice>
+    <mc:Fallback xmlns="">
+      <p:transition spd="med">
+        <p:fade/>
+      </p:transition>
+    </mc:Fallback>
+  </mc:AlternateContent>
+</p:sld>
+</file>
+
+<file path=ppt/slides/slide6.xml><?xml version="1.0" encoding="utf-8"?>
+<p:sld xmlns:a="http://schemas.openxmlformats.org/drawingml/2006/main" xmlns:r="http://schemas.openxmlformats.org/officeDocument/2006/relationships" xmlns:p="http://schemas.openxmlformats.org/presentationml/2006/main">
+  <p:cSld>
+    <p:spTree>
+      <p:nvGrpSpPr>
+        <p:cNvPr id="1" name=""/>
+        <p:cNvGrpSpPr/>
+        <p:nvPr/>
+      </p:nvGrpSpPr>
+      <p:grpSpPr>
+        <a:xfrm>
+          <a:off x="0" y="0"/>
+          <a:ext cx="0" cy="0"/>
+          <a:chOff x="0" y="0"/>
+          <a:chExt cx="0" cy="0"/>
+        </a:xfrm>
+      </p:grpSpPr>
+      <p:sp>
+        <p:nvSpPr>
+          <p:cNvPr id="2" name="标题 1"/>
+          <p:cNvSpPr>
+            <a:spLocks noGrp="1"/>
+          </p:cNvSpPr>
+          <p:nvPr>
+            <p:ph type="title"/>
+          </p:nvPr>
+        </p:nvSpPr>
+        <p:spPr/>
+        <p:txBody>
+          <a:bodyPr/>
+          <a:lstStyle/>
+          <a:p>
+            <a:pPr marR="0" rtl="0"/>
+            <a:r>
+              <a:rPr lang="zh-CN" altLang="en-US" b="1" i="0" u="none" strike="noStrike" kern="2200" baseline="0" dirty="0">
+                <a:latin typeface="Calibri" panose="020F0502020204030204" pitchFamily="34" charset="0"/>
+              </a:rPr>
+              <a:t>研究意义：对我国大学法治建设的启示意义</a:t>
+            </a:r>
+            <a:endParaRPr lang="zh-CN" altLang="en-US" b="1" i="0" u="none" strike="noStrike" kern="2200" baseline="0" dirty="0">
+              <a:latin typeface="Times New Roman" panose="02020603050405020304" pitchFamily="18" charset="0"/>
+            </a:endParaRPr>
+          </a:p>
+        </p:txBody>
+      </p:sp>
+      <p:sp>
+        <p:nvSpPr>
+          <p:cNvPr id="3" name="文本占位符 2"/>
+          <p:cNvSpPr>
+            <a:spLocks noGrp="1"/>
+          </p:cNvSpPr>
+          <p:nvPr>
+            <p:ph type="body" idx="1"/>
+          </p:nvPr>
+        </p:nvSpPr>
+        <p:spPr>
+          <a:xfrm>
+            <a:off x="2275114" y="2338616"/>
+            <a:ext cx="8596086" cy="4351338"/>
+          </a:xfrm>
+        </p:spPr>
+        <p:txBody>
+          <a:bodyPr/>
+          <a:lstStyle/>
+          <a:p>
+            <a:pPr marL="0" lvl="0" indent="0">
+              <a:lnSpc>
+                <a:spcPct val="150000"/>
+              </a:lnSpc>
+              <a:buNone/>
+            </a:pPr>
+            <a:r>
+              <a:rPr lang="zh-CN" altLang="en-US" i="0" u="none" strike="noStrike" kern="100" baseline="0" dirty="0">
+                <a:solidFill>
+                  <a:srgbClr val="0070C0"/>
+                </a:solidFill>
+                <a:latin typeface="Calibri Light" panose="020F0302020204030204" pitchFamily="34" charset="0"/>
+              </a:rPr>
+              <a:t>在德国</a:t>
+            </a:r>
+            <a:r>
+              <a:rPr lang="zh-CN" altLang="en-US" sz="1200" i="0" u="none" strike="noStrike" kern="100" baseline="0" dirty="0">
+                <a:latin typeface="Calibri Light" panose="020F0302020204030204" pitchFamily="34" charset="0"/>
+              </a:rPr>
+              <a:t>，</a:t>
+            </a:r>
+            <a:r>
+              <a:rPr lang="zh-CN" altLang="en-US" i="0" u="none" strike="noStrike" kern="100" baseline="0" dirty="0">
+                <a:latin typeface="Calibri Light" panose="020F0302020204030204" pitchFamily="34" charset="0"/>
+              </a:rPr>
+              <a:t>制度保障说是大学自治的法理理论中目前处于通说的地位，也得到了联邦宪法法院的认可，对大陆法系其他国家和地区的宪法理论与实践产生了巨大影响。</a:t>
+            </a:r>
+          </a:p>
+          <a:p>
+            <a:pPr marL="0" marR="0" lvl="0" indent="0" rtl="0">
+              <a:lnSpc>
+                <a:spcPct val="150000"/>
+              </a:lnSpc>
+              <a:buNone/>
+            </a:pPr>
+            <a:r>
+              <a:rPr lang="zh-CN" altLang="en-US" i="0" u="none" strike="noStrike" kern="100" baseline="0" dirty="0">
+                <a:solidFill>
+                  <a:srgbClr val="0070C0"/>
+                </a:solidFill>
+                <a:latin typeface="Calibri Light" panose="020F0302020204030204" pitchFamily="34" charset="0"/>
+              </a:rPr>
+              <a:t>在日本</a:t>
+            </a:r>
+            <a:r>
+              <a:rPr lang="zh-CN" altLang="en-US" i="0" u="none" strike="noStrike" kern="100" baseline="0" dirty="0">
+                <a:latin typeface="Calibri Light" panose="020F0302020204030204" pitchFamily="34" charset="0"/>
+              </a:rPr>
+              <a:t>，二战前，大学自治制度被视为一种惯行，在战后则被视为与学术自由的宪法规定具有密切不可分的关系，而受宪法的保障。</a:t>
+            </a:r>
+            <a:endParaRPr lang="en-US" altLang="zh-CN" i="0" u="none" strike="noStrike" kern="100" baseline="0" dirty="0">
+              <a:latin typeface="Calibri Light" panose="020F0302020204030204" pitchFamily="34" charset="0"/>
+            </a:endParaRPr>
+          </a:p>
+          <a:p>
+            <a:pPr marL="0" marR="0" lvl="0" indent="0" rtl="0">
+              <a:lnSpc>
+                <a:spcPct val="150000"/>
+              </a:lnSpc>
+              <a:buNone/>
+            </a:pPr>
+            <a:r>
+              <a:rPr lang="zh-CN" altLang="en-US" i="0" u="none" strike="noStrike" kern="100" baseline="0" dirty="0">
+                <a:solidFill>
+                  <a:srgbClr val="0070C0"/>
+                </a:solidFill>
+                <a:latin typeface="Calibri Light" panose="020F0302020204030204" pitchFamily="34" charset="0"/>
+              </a:rPr>
+              <a:t>在台湾</a:t>
+            </a:r>
+            <a:r>
+              <a:rPr lang="zh-CN" altLang="en-US" i="0" u="none" strike="noStrike" kern="100" baseline="0" dirty="0">
+                <a:latin typeface="Calibri Light" panose="020F0302020204030204" pitchFamily="34" charset="0"/>
+              </a:rPr>
+              <a:t>，相关的法律文件中更是明确认定了制度保障说，如在</a:t>
+            </a:r>
+            <a:r>
+              <a:rPr lang="en-US" altLang="zh-CN" i="0" u="none" strike="noStrike" kern="100" baseline="0" dirty="0">
+                <a:latin typeface="Calibri Light" panose="020F0302020204030204" pitchFamily="34" charset="0"/>
+              </a:rPr>
+              <a:t>380</a:t>
+            </a:r>
+            <a:r>
+              <a:rPr lang="zh-CN" altLang="en-US" i="0" u="none" strike="noStrike" kern="100" baseline="0" dirty="0">
+                <a:latin typeface="Calibri Light" panose="020F0302020204030204" pitchFamily="34" charset="0"/>
+              </a:rPr>
+              <a:t>号解释理由书中明确指出，“讲学自由之规定，以保障学术自由为目的。学术自由之保障。应自大学组织及其它建制方面，加以确保，亦即为制度性之保障。</a:t>
+            </a:r>
+            <a:endParaRPr lang="zh-CN" altLang="en-US" i="0" u="none" strike="noStrike" kern="100" baseline="0" dirty="0">
+              <a:latin typeface="Times New Roman" panose="02020603050405020304" pitchFamily="18" charset="0"/>
+            </a:endParaRPr>
+          </a:p>
+        </p:txBody>
+      </p:sp>
+      <p:sp>
+        <p:nvSpPr>
+          <p:cNvPr id="4" name="圆角矩形 3"/>
+          <p:cNvSpPr/>
+          <p:nvPr/>
+        </p:nvSpPr>
+        <p:spPr>
+          <a:xfrm>
+            <a:off x="286658" y="0"/>
+            <a:ext cx="551542" cy="1219200"/>
+          </a:xfrm>
+          <a:prstGeom prst="roundRect">
+            <a:avLst>
+              <a:gd name="adj" fmla="val 0"/>
+            </a:avLst>
+          </a:prstGeom>
+          <a:solidFill>
+            <a:srgbClr val="0070C0"/>
+          </a:solidFill>
+          <a:ln>
+            <a:noFill/>
+          </a:ln>
+        </p:spPr>
+        <p:style>
+          <a:lnRef idx="2">
+            <a:schemeClr val="accent1">
+              <a:shade val="50000"/>
+            </a:schemeClr>
+          </a:lnRef>
+          <a:fillRef idx="1">
+            <a:schemeClr val="accent1"/>
+          </a:fillRef>
+          <a:effectRef idx="0">
+            <a:schemeClr val="accent1"/>
+          </a:effectRef>
+          <a:fontRef idx="minor">
+            <a:schemeClr val="lt1"/>
+          </a:fontRef>
+        </p:style>
+        <p:txBody>
+          <a:bodyPr rtlCol="0" anchor="b"/>
+          <a:lstStyle/>
+          <a:p>
+            <a:pPr algn="ctr"/>
+            <a:r>
+              <a:rPr lang="en-US" altLang="zh-CN" sz="2800" dirty="0"/>
+              <a:t>01</a:t>
+            </a:r>
+            <a:endParaRPr lang="zh-CN" altLang="en-US" sz="2800" dirty="0"/>
+          </a:p>
+        </p:txBody>
+      </p:sp>
+      <p:sp>
+        <p:nvSpPr>
+          <p:cNvPr id="5" name="文本框 4"/>
+          <p:cNvSpPr txBox="1"/>
+          <p:nvPr/>
+        </p:nvSpPr>
+        <p:spPr>
+          <a:xfrm>
+            <a:off x="1293790" y="2423135"/>
+            <a:ext cx="755335" cy="769441"/>
+          </a:xfrm>
+          <a:prstGeom prst="rect">
+            <a:avLst/>
+          </a:prstGeom>
+          <a:noFill/>
+        </p:spPr>
+        <p:txBody>
+          <a:bodyPr wrap="none" rtlCol="0">
+            <a:spAutoFit/>
+          </a:bodyPr>
+          <a:lstStyle/>
+          <a:p>
+            <a:r>
+              <a:rPr lang="en-US" altLang="zh-CN" sz="4400" dirty="0">
+                <a:solidFill>
+                  <a:srgbClr val="0070C0"/>
+                </a:solidFill>
+              </a:rPr>
+              <a:t>01</a:t>
+            </a:r>
+            <a:endParaRPr lang="zh-CN" altLang="en-US" sz="4400" dirty="0">
+              <a:solidFill>
+                <a:srgbClr val="0070C0"/>
+              </a:solidFill>
+            </a:endParaRPr>
+          </a:p>
+        </p:txBody>
+      </p:sp>
+      <p:sp>
+        <p:nvSpPr>
+          <p:cNvPr id="6" name="圆角矩形 5"/>
+          <p:cNvSpPr/>
+          <p:nvPr/>
+        </p:nvSpPr>
+        <p:spPr>
+          <a:xfrm>
+            <a:off x="2098767" y="2494884"/>
+            <a:ext cx="45719" cy="684000"/>
+          </a:xfrm>
+          <a:prstGeom prst="roundRect">
+            <a:avLst/>
+          </a:prstGeom>
+          <a:solidFill>
+            <a:srgbClr val="0070C0"/>
+          </a:solidFill>
+          <a:ln>
+            <a:noFill/>
+          </a:ln>
+        </p:spPr>
+        <p:style>
+          <a:lnRef idx="2">
+            <a:schemeClr val="accent1">
+              <a:shade val="50000"/>
+            </a:schemeClr>
+          </a:lnRef>
+          <a:fillRef idx="1">
+            <a:schemeClr val="accent1"/>
+          </a:fillRef>
+          <a:effectRef idx="0">
+            <a:schemeClr val="accent1"/>
+          </a:effectRef>
+          <a:fontRef idx="minor">
+            <a:schemeClr val="lt1"/>
+          </a:fontRef>
+        </p:style>
+        <p:txBody>
+          <a:bodyPr rtlCol="0" anchor="ctr"/>
+          <a:lstStyle/>
+          <a:p>
+            <a:pPr algn="ctr"/>
+            <a:endParaRPr lang="zh-CN" altLang="en-US"/>
+          </a:p>
+        </p:txBody>
+      </p:sp>
+      <p:sp>
+        <p:nvSpPr>
+          <p:cNvPr id="7" name="文本框 6"/>
+          <p:cNvSpPr txBox="1"/>
+          <p:nvPr/>
+        </p:nvSpPr>
+        <p:spPr>
+          <a:xfrm>
+            <a:off x="1293790" y="3351616"/>
+            <a:ext cx="755335" cy="769441"/>
+          </a:xfrm>
+          <a:prstGeom prst="rect">
+            <a:avLst/>
+          </a:prstGeom>
+          <a:noFill/>
+        </p:spPr>
+        <p:txBody>
+          <a:bodyPr wrap="none" rtlCol="0">
+            <a:spAutoFit/>
+          </a:bodyPr>
+          <a:lstStyle/>
+          <a:p>
+            <a:r>
+              <a:rPr lang="en-US" altLang="zh-CN" sz="4400" dirty="0">
+                <a:solidFill>
+                  <a:schemeClr val="tx1">
+                    <a:lumMod val="75000"/>
+                    <a:lumOff val="25000"/>
+                  </a:schemeClr>
+                </a:solidFill>
+              </a:rPr>
+              <a:t>02</a:t>
+            </a:r>
+            <a:endParaRPr lang="zh-CN" altLang="en-US" sz="4400" dirty="0">
+              <a:solidFill>
+                <a:schemeClr val="tx1">
+                  <a:lumMod val="75000"/>
+                  <a:lumOff val="25000"/>
+                </a:schemeClr>
+              </a:solidFill>
+            </a:endParaRPr>
+          </a:p>
+        </p:txBody>
+      </p:sp>
+      <p:sp>
+        <p:nvSpPr>
+          <p:cNvPr id="8" name="圆角矩形 7"/>
+          <p:cNvSpPr/>
+          <p:nvPr/>
+        </p:nvSpPr>
+        <p:spPr>
+          <a:xfrm>
+            <a:off x="2098767" y="3423365"/>
+            <a:ext cx="45719" cy="684000"/>
+          </a:xfrm>
+          <a:prstGeom prst="roundRect">
+            <a:avLst/>
+          </a:prstGeom>
+          <a:solidFill>
+            <a:schemeClr val="tx1">
+              <a:lumMod val="75000"/>
+              <a:lumOff val="25000"/>
+            </a:schemeClr>
+          </a:solidFill>
+          <a:ln>
+            <a:noFill/>
+          </a:ln>
+        </p:spPr>
+        <p:style>
+          <a:lnRef idx="2">
+            <a:schemeClr val="accent1">
+              <a:shade val="50000"/>
+            </a:schemeClr>
+          </a:lnRef>
+          <a:fillRef idx="1">
+            <a:schemeClr val="accent1"/>
+          </a:fillRef>
+          <a:effectRef idx="0">
+            <a:schemeClr val="accent1"/>
+          </a:effectRef>
+          <a:fontRef idx="minor">
+            <a:schemeClr val="lt1"/>
+          </a:fontRef>
+        </p:style>
+        <p:txBody>
+          <a:bodyPr rtlCol="0" anchor="ctr"/>
+          <a:lstStyle/>
+          <a:p>
+            <a:pPr algn="ctr"/>
+            <a:endParaRPr lang="zh-CN" altLang="en-US"/>
+          </a:p>
+        </p:txBody>
+      </p:sp>
+      <p:sp>
+        <p:nvSpPr>
+          <p:cNvPr id="9" name="文本框 8"/>
+          <p:cNvSpPr txBox="1"/>
+          <p:nvPr/>
+        </p:nvSpPr>
+        <p:spPr>
+          <a:xfrm>
+            <a:off x="1293790" y="4542874"/>
+            <a:ext cx="755335" cy="769441"/>
+          </a:xfrm>
+          <a:prstGeom prst="rect">
+            <a:avLst/>
+          </a:prstGeom>
+          <a:noFill/>
+        </p:spPr>
+        <p:txBody>
+          <a:bodyPr wrap="none" rtlCol="0">
+            <a:spAutoFit/>
+          </a:bodyPr>
+          <a:lstStyle/>
+          <a:p>
+            <a:r>
+              <a:rPr lang="en-US" altLang="zh-CN" sz="4400" dirty="0">
+                <a:solidFill>
+                  <a:srgbClr val="0070C0"/>
+                </a:solidFill>
+              </a:rPr>
+              <a:t>03</a:t>
+            </a:r>
+            <a:endParaRPr lang="zh-CN" altLang="en-US" sz="4400" dirty="0">
+              <a:solidFill>
+                <a:srgbClr val="0070C0"/>
+              </a:solidFill>
+            </a:endParaRPr>
+          </a:p>
+        </p:txBody>
+      </p:sp>
+      <p:sp>
+        <p:nvSpPr>
+          <p:cNvPr id="10" name="圆角矩形 9"/>
+          <p:cNvSpPr/>
+          <p:nvPr/>
+        </p:nvSpPr>
+        <p:spPr>
+          <a:xfrm>
+            <a:off x="2098767" y="4423595"/>
+            <a:ext cx="45719" cy="1008000"/>
+          </a:xfrm>
+          <a:prstGeom prst="roundRect">
+            <a:avLst/>
+          </a:prstGeom>
+          <a:solidFill>
+            <a:srgbClr val="0070C0"/>
+          </a:solidFill>
+          <a:ln>
+            <a:noFill/>
+          </a:ln>
+        </p:spPr>
+        <p:style>
+          <a:lnRef idx="2">
+            <a:schemeClr val="accent1">
+              <a:shade val="50000"/>
+            </a:schemeClr>
+          </a:lnRef>
+          <a:fillRef idx="1">
+            <a:schemeClr val="accent1"/>
+          </a:fillRef>
+          <a:effectRef idx="0">
+            <a:schemeClr val="accent1"/>
+          </a:effectRef>
+          <a:fontRef idx="minor">
+            <a:schemeClr val="lt1"/>
+          </a:fontRef>
+        </p:style>
+        <p:txBody>
+          <a:bodyPr rtlCol="0" anchor="ctr"/>
+          <a:lstStyle/>
+          <a:p>
+            <a:pPr algn="ctr"/>
+            <a:endParaRPr lang="zh-CN" altLang="en-US"/>
+          </a:p>
+        </p:txBody>
+      </p:sp>
+    </p:spTree>
+    <p:extLst>
+      <p:ext uri="{BB962C8B-B14F-4D97-AF65-F5344CB8AC3E}">
+        <p14:creationId xmlns:p14="http://schemas.microsoft.com/office/powerpoint/2010/main" val="1558726284"/>
+      </p:ext>
+    </p:extLst>
+  </p:cSld>
+  <p:clrMapOvr>
+    <a:masterClrMapping/>
+  </p:clrMapOvr>
+  <mc:AlternateContent xmlns:mc="http://schemas.openxmlformats.org/markup-compatibility/2006" xmlns:p14="http://schemas.microsoft.com/office/powerpoint/2010/main">
+    <mc:Choice Requires="p14">
+      <p:transition spd="med" p14:dur="700">
+        <p:fade/>
+      </p:transition>
+    </mc:Choice>
+    <mc:Fallback xmlns="">
+      <p:transition spd="med">
+        <p:fade/>
+      </p:transition>
+    </mc:Fallback>
+  </mc:AlternateContent>
+</p:sld>
+</file>
+
+<file path=ppt/slides/slide7.xml><?xml version="1.0" encoding="utf-8"?>
+<p:sld xmlns:a="http://schemas.openxmlformats.org/drawingml/2006/main" xmlns:r="http://schemas.openxmlformats.org/officeDocument/2006/relationships" xmlns:p="http://schemas.openxmlformats.org/presentationml/2006/main">
+  <p:cSld>
+    <p:spTree>
+      <p:nvGrpSpPr>
+        <p:cNvPr id="1" name=""/>
+        <p:cNvGrpSpPr/>
+        <p:nvPr/>
+      </p:nvGrpSpPr>
+      <p:grpSpPr>
+        <a:xfrm>
+          <a:off x="0" y="0"/>
+          <a:ext cx="0" cy="0"/>
+          <a:chOff x="0" y="0"/>
+          <a:chExt cx="0" cy="0"/>
+        </a:xfrm>
+      </p:grpSpPr>
+      <p:sp>
+        <p:nvSpPr>
+          <p:cNvPr id="2" name="标题 1"/>
+          <p:cNvSpPr>
+            <a:spLocks noGrp="1"/>
+          </p:cNvSpPr>
+          <p:nvPr>
+            <p:ph type="title"/>
+          </p:nvPr>
+        </p:nvSpPr>
+        <p:spPr/>
+        <p:txBody>
+          <a:bodyPr/>
+          <a:lstStyle/>
+          <a:p>
+            <a:pPr marR="0" rtl="0"/>
+            <a:r>
+              <a:rPr lang="zh-CN" altLang="en-US" b="1" i="0" u="none" strike="noStrike" kern="2200" baseline="0" dirty="0">
+                <a:latin typeface="Calibri" panose="020F0502020204030204" pitchFamily="34" charset="0"/>
+              </a:rPr>
+              <a:t>一、大学自治和学术自由的渊源</a:t>
+            </a:r>
+            <a:endParaRPr lang="zh-CN" altLang="en-US" b="1" i="0" u="none" strike="noStrike" kern="2200" baseline="0" dirty="0">
+              <a:latin typeface="Times New Roman" panose="02020603050405020304" pitchFamily="18" charset="0"/>
+            </a:endParaRPr>
+          </a:p>
+        </p:txBody>
+      </p:sp>
+      <p:sp>
+        <p:nvSpPr>
+          <p:cNvPr id="3" name="文本占位符 2"/>
+          <p:cNvSpPr>
+            <a:spLocks noGrp="1"/>
+          </p:cNvSpPr>
+          <p:nvPr>
+            <p:ph type="body" idx="1"/>
+          </p:nvPr>
+        </p:nvSpPr>
+        <p:spPr/>
+        <p:txBody>
+          <a:bodyPr>
+            <a:normAutofit/>
+          </a:bodyPr>
+          <a:lstStyle/>
+          <a:p>
+            <a:pPr>
+              <a:lnSpc>
+                <a:spcPct val="150000"/>
+              </a:lnSpc>
+              <a:buClr>
+                <a:srgbClr val="0070C0"/>
+              </a:buClr>
+              <a:buFont typeface="Wingdings" panose="05000000000000000000" pitchFamily="2" charset="2"/>
+              <a:buChar char="ü"/>
+            </a:pPr>
+            <a:r>
+              <a:rPr lang="zh-CN" altLang="en-US" sz="1400" kern="100" dirty="0">
+                <a:latin typeface="Calibri Light" panose="020F0302020204030204" pitchFamily="34" charset="0"/>
+              </a:rPr>
+              <a:t>“自治是高深学问的最悠久的传统之一”闭，大学争取自治是从建校时开始的，在中世纪产生之初，大学就产生了自治的诉求。大学具有国际性，其成员来自世界，主张普遍教学的自由，它的领域是基督教世界，而且冲破了城市的范围。大学的发展过程就是一个不断与教会、王室甚至是普通市民进行斗争的过程，斗争的手段是罢课和迁校，斗争的结果是大学有了自己的特权。</a:t>
+            </a:r>
+          </a:p>
+          <a:p>
+            <a:pPr>
+              <a:lnSpc>
+                <a:spcPct val="150000"/>
+              </a:lnSpc>
+              <a:buClr>
+                <a:srgbClr val="0070C0"/>
+              </a:buClr>
+              <a:buFont typeface="Wingdings" panose="05000000000000000000" pitchFamily="2" charset="2"/>
+              <a:buChar char="ü"/>
+            </a:pPr>
+            <a:r>
+              <a:rPr lang="zh-CN" altLang="en-US" sz="1400" kern="100" dirty="0">
+                <a:latin typeface="Calibri Light" panose="020F0302020204030204" pitchFamily="34" charset="0"/>
+              </a:rPr>
+              <a:t>而学术自由概念的产生则要晚的多，作为大学探索真理的原则学术自由首先被德国大学接受，其思想奠基者是洪堡、施莱尔马赫和费希特等人，认为大学必须将研究提升到与知识传授同等重要的地位，而要开展学术研究就需要确立学术自由的制度保障。这一思想逐渐形成经典大学的基本理念并被欧美大学普遍认同。</a:t>
+            </a:r>
+            <a:endParaRPr lang="en-US" altLang="zh-CN" sz="1400" kern="100" dirty="0">
+              <a:latin typeface="Calibri Light" panose="020F0302020204030204" pitchFamily="34" charset="0"/>
+            </a:endParaRPr>
+          </a:p>
+          <a:p>
+            <a:pPr>
+              <a:lnSpc>
+                <a:spcPct val="150000"/>
+              </a:lnSpc>
+              <a:buClr>
+                <a:srgbClr val="0070C0"/>
+              </a:buClr>
+              <a:buFont typeface="Wingdings" panose="05000000000000000000" pitchFamily="2" charset="2"/>
+              <a:buChar char="ü"/>
+            </a:pPr>
+            <a:r>
+              <a:rPr lang="zh-CN" altLang="en-US" sz="1400" kern="100" dirty="0">
+                <a:latin typeface="Calibri Light" panose="020F0302020204030204" pitchFamily="34" charset="0"/>
+              </a:rPr>
+              <a:t>学术自由在最初仅仅限于学校内部，是学校自身的行为，却无法防止来自外部力量的侵害，因此需要国家法律的认可和保障。到了</a:t>
+            </a:r>
+            <a:r>
+              <a:rPr lang="en-US" altLang="zh-CN" sz="1400" kern="100" dirty="0">
+                <a:latin typeface="Calibri Light" panose="020F0302020204030204" pitchFamily="34" charset="0"/>
+              </a:rPr>
+              <a:t>20</a:t>
+            </a:r>
+            <a:r>
+              <a:rPr lang="zh-CN" altLang="en-US" sz="1400" kern="100" dirty="0">
+                <a:latin typeface="Calibri Light" panose="020F0302020204030204" pitchFamily="34" charset="0"/>
+              </a:rPr>
+              <a:t>世纪初期，则上升为宪法基本权利，许多国家的宪法和教育基本法开始明确保障学术自由。因此，从历史上看，大学自治的理念和制度先于学术自由而产生。</a:t>
+            </a:r>
+          </a:p>
+        </p:txBody>
+      </p:sp>
+      <p:sp>
+        <p:nvSpPr>
+          <p:cNvPr id="4" name="圆角矩形 3"/>
+          <p:cNvSpPr/>
+          <p:nvPr/>
+        </p:nvSpPr>
+        <p:spPr>
+          <a:xfrm>
+            <a:off x="286658" y="0"/>
+            <a:ext cx="551542" cy="1219200"/>
+          </a:xfrm>
+          <a:prstGeom prst="roundRect">
+            <a:avLst>
+              <a:gd name="adj" fmla="val 0"/>
+            </a:avLst>
+          </a:prstGeom>
+          <a:solidFill>
+            <a:srgbClr val="0070C0"/>
+          </a:solidFill>
+          <a:ln>
+            <a:noFill/>
+          </a:ln>
+        </p:spPr>
+        <p:style>
+          <a:lnRef idx="2">
+            <a:schemeClr val="accent1">
+              <a:shade val="50000"/>
+            </a:schemeClr>
+          </a:lnRef>
+          <a:fillRef idx="1">
+            <a:schemeClr val="accent1"/>
+          </a:fillRef>
+          <a:effectRef idx="0">
+            <a:schemeClr val="accent1"/>
+          </a:effectRef>
+          <a:fontRef idx="minor">
+            <a:schemeClr val="lt1"/>
+          </a:fontRef>
+        </p:style>
+        <p:txBody>
+          <a:bodyPr rtlCol="0" anchor="b"/>
+          <a:lstStyle/>
+          <a:p>
+            <a:pPr algn="ctr"/>
+            <a:r>
+              <a:rPr lang="en-US" altLang="zh-CN" sz="2800" dirty="0"/>
+              <a:t>05</a:t>
+            </a:r>
+            <a:endParaRPr lang="zh-CN" altLang="en-US" sz="2800" dirty="0"/>
+          </a:p>
+        </p:txBody>
+      </p:sp>
+    </p:spTree>
+    <p:extLst>
+      <p:ext uri="{BB962C8B-B14F-4D97-AF65-F5344CB8AC3E}">
+        <p14:creationId xmlns:p14="http://schemas.microsoft.com/office/powerpoint/2010/main" val="1917584596"/>
+      </p:ext>
+    </p:extLst>
+  </p:cSld>
+  <p:clrMapOvr>
+    <a:masterClrMapping/>
+  </p:clrMapOvr>
+  <mc:AlternateContent xmlns:mc="http://schemas.openxmlformats.org/markup-compatibility/2006" xmlns:p14="http://schemas.microsoft.com/office/powerpoint/2010/main">
+    <mc:Choice Requires="p14">
+      <p:transition spd="med" p14:dur="700">
+        <p:fade/>
+      </p:transition>
+    </mc:Choice>
+    <mc:Fallback xmlns="">
+      <p:transition spd="med">
+        <p:fade/>
+      </p:transition>
+    </mc:Fallback>
+  </mc:AlternateContent>
+</p:sld>
+</file>
+
+<file path=ppt/slides/slide8.xml><?xml version="1.0" encoding="utf-8"?>
+<p:sld xmlns:a="http://schemas.openxmlformats.org/drawingml/2006/main" xmlns:r="http://schemas.openxmlformats.org/officeDocument/2006/relationships" xmlns:p="http://schemas.openxmlformats.org/presentationml/2006/main">
+  <p:cSld>
+    <p:spTree>
+      <p:nvGrpSpPr>
+        <p:cNvPr id="1" name=""/>
+        <p:cNvGrpSpPr/>
+        <p:nvPr/>
+      </p:nvGrpSpPr>
+      <p:grpSpPr>
+        <a:xfrm>
+          <a:off x="0" y="0"/>
+          <a:ext cx="0" cy="0"/>
+          <a:chOff x="0" y="0"/>
+          <a:chExt cx="0" cy="0"/>
+        </a:xfrm>
+      </p:grpSpPr>
+      <p:sp>
+        <p:nvSpPr>
+          <p:cNvPr id="2" name="标题 1"/>
+          <p:cNvSpPr>
+            <a:spLocks noGrp="1"/>
+          </p:cNvSpPr>
+          <p:nvPr>
+            <p:ph type="title"/>
+          </p:nvPr>
+        </p:nvSpPr>
+        <p:spPr/>
+        <p:txBody>
+          <a:bodyPr/>
+          <a:lstStyle/>
+          <a:p>
+            <a:pPr marR="0" rtl="0"/>
+            <a:r>
+              <a:rPr lang="zh-CN" altLang="en-US" b="1" i="0" u="none" strike="noStrike" kern="2200" baseline="0" dirty="0">
+                <a:latin typeface="Calibri" panose="020F0502020204030204" pitchFamily="34" charset="0"/>
+              </a:rPr>
+              <a:t>二、二者同权论</a:t>
+            </a:r>
+            <a:endParaRPr lang="zh-CN" altLang="en-US" b="1" i="0" u="none" strike="noStrike" kern="2200" baseline="0" dirty="0">
+              <a:latin typeface="Times New Roman" panose="02020603050405020304" pitchFamily="18" charset="0"/>
+            </a:endParaRPr>
+          </a:p>
+        </p:txBody>
+      </p:sp>
+      <p:sp>
+        <p:nvSpPr>
+          <p:cNvPr id="4" name="圆角矩形 3"/>
+          <p:cNvSpPr/>
+          <p:nvPr/>
+        </p:nvSpPr>
+        <p:spPr>
+          <a:xfrm>
+            <a:off x="286658" y="0"/>
+            <a:ext cx="551542" cy="1219200"/>
+          </a:xfrm>
+          <a:prstGeom prst="roundRect">
+            <a:avLst>
+              <a:gd name="adj" fmla="val 0"/>
+            </a:avLst>
+          </a:prstGeom>
+          <a:solidFill>
+            <a:srgbClr val="0070C0"/>
+          </a:solidFill>
+          <a:ln>
+            <a:noFill/>
+          </a:ln>
+        </p:spPr>
+        <p:style>
+          <a:lnRef idx="2">
+            <a:schemeClr val="accent1">
+              <a:shade val="50000"/>
+            </a:schemeClr>
+          </a:lnRef>
+          <a:fillRef idx="1">
+            <a:schemeClr val="accent1"/>
+          </a:fillRef>
+          <a:effectRef idx="0">
+            <a:schemeClr val="accent1"/>
+          </a:effectRef>
+          <a:fontRef idx="minor">
+            <a:schemeClr val="lt1"/>
+          </a:fontRef>
+        </p:style>
+        <p:txBody>
+          <a:bodyPr rtlCol="0" anchor="b"/>
+          <a:lstStyle/>
+          <a:p>
+            <a:pPr algn="ctr"/>
+            <a:r>
+              <a:rPr lang="en-US" altLang="zh-CN" sz="2800" dirty="0"/>
+              <a:t>05</a:t>
+            </a:r>
+            <a:endParaRPr lang="zh-CN" altLang="en-US" sz="2800" dirty="0"/>
+          </a:p>
+        </p:txBody>
+      </p:sp>
+      <p:graphicFrame>
+        <p:nvGraphicFramePr>
+          <p:cNvPr id="5" name="图示 4"/>
+          <p:cNvGraphicFramePr/>
+          <p:nvPr>
+            <p:extLst>
+              <p:ext uri="{D42A27DB-BD31-4B8C-83A1-F6EECF244321}">
+                <p14:modId xmlns:p14="http://schemas.microsoft.com/office/powerpoint/2010/main" val="1430224246"/>
+              </p:ext>
+            </p:extLst>
+          </p:nvPr>
+        </p:nvGraphicFramePr>
+        <p:xfrm>
+          <a:off x="3265714" y="2166875"/>
+          <a:ext cx="5660571" cy="3773714"/>
+        </p:xfrm>
+        <a:graphic>
+          <a:graphicData uri="http://schemas.openxmlformats.org/drawingml/2006/diagram">
+            <dgm:relIds xmlns:dgm="http://schemas.openxmlformats.org/drawingml/2006/diagram" xmlns:r="http://schemas.openxmlformats.org/officeDocument/2006/relationships" r:dm="rId2" r:lo="rId3" r:qs="rId4" r:cs="rId5"/>
+          </a:graphicData>
+        </a:graphic>
+      </p:graphicFrame>
+      <p:sp>
+        <p:nvSpPr>
+          <p:cNvPr id="6" name="矩形 5"/>
+          <p:cNvSpPr/>
+          <p:nvPr/>
+        </p:nvSpPr>
+        <p:spPr>
+          <a:xfrm>
+            <a:off x="7440175" y="1732646"/>
+            <a:ext cx="4770977" cy="646331"/>
+          </a:xfrm>
+          <a:prstGeom prst="rect">
+            <a:avLst/>
+          </a:prstGeom>
+        </p:spPr>
+        <p:txBody>
+          <a:bodyPr wrap="square">
+            <a:spAutoFit/>
+          </a:bodyPr>
+          <a:lstStyle/>
+          <a:p>
+            <a:pPr marL="0" lvl="1">
+              <a:lnSpc>
+                <a:spcPct val="150000"/>
+              </a:lnSpc>
+            </a:pPr>
+            <a:r>
+              <a:rPr lang="zh-CN" altLang="en-US" sz="1200" i="0" u="none" strike="noStrike" kern="100" baseline="0" dirty="0">
+                <a:solidFill>
+                  <a:schemeClr val="tx1">
+                    <a:lumMod val="75000"/>
+                    <a:lumOff val="25000"/>
+                  </a:schemeClr>
+                </a:solidFill>
+                <a:latin typeface="微软雅黑" panose="020B0503020204020204" pitchFamily="34" charset="-122"/>
+                <a:ea typeface="微软雅黑" panose="020B0503020204020204" pitchFamily="34" charset="-122"/>
+              </a:rPr>
+              <a:t>大学自治不包含学者个人的学术自由等权力诉求的意义</a:t>
+            </a:r>
+          </a:p>
+          <a:p>
+            <a:pPr marL="0" lvl="1">
+              <a:lnSpc>
+                <a:spcPct val="150000"/>
+              </a:lnSpc>
+            </a:pPr>
+            <a:r>
+              <a:rPr lang="zh-CN" altLang="en-US" sz="1200" i="0" u="none" strike="noStrike" kern="100" baseline="0" dirty="0">
+                <a:solidFill>
+                  <a:schemeClr val="tx1">
+                    <a:lumMod val="75000"/>
+                    <a:lumOff val="25000"/>
+                  </a:schemeClr>
+                </a:solidFill>
+                <a:latin typeface="微软雅黑" panose="020B0503020204020204" pitchFamily="34" charset="-122"/>
+                <a:ea typeface="微软雅黑" panose="020B0503020204020204" pitchFamily="34" charset="-122"/>
+              </a:rPr>
+              <a:t>大学自治有可能损害学者个体的学术自由</a:t>
+            </a:r>
+          </a:p>
+        </p:txBody>
+      </p:sp>
+      <p:sp>
+        <p:nvSpPr>
+          <p:cNvPr id="7" name="矩形 6"/>
+          <p:cNvSpPr/>
+          <p:nvPr/>
+        </p:nvSpPr>
+        <p:spPr>
+          <a:xfrm>
+            <a:off x="2081432" y="5075772"/>
+            <a:ext cx="1826141" cy="338554"/>
+          </a:xfrm>
+          <a:prstGeom prst="rect">
+            <a:avLst/>
+          </a:prstGeom>
+        </p:spPr>
+        <p:txBody>
+          <a:bodyPr wrap="none">
+            <a:spAutoFit/>
+          </a:bodyPr>
+          <a:lstStyle/>
+          <a:p>
+            <a:r>
+              <a:rPr lang="zh-CN" altLang="en-US" sz="1600" i="0" u="none" strike="noStrike" kern="100" baseline="0" dirty="0">
+                <a:solidFill>
+                  <a:srgbClr val="0070C0"/>
+                </a:solidFill>
+                <a:latin typeface="微软雅黑" panose="020B0503020204020204" pitchFamily="34" charset="-122"/>
+                <a:ea typeface="微软雅黑" panose="020B0503020204020204" pitchFamily="34" charset="-122"/>
+              </a:rPr>
+              <a:t>内容并非完全等同</a:t>
+            </a:r>
+            <a:endParaRPr lang="zh-CN" altLang="en-US" sz="1600" dirty="0">
+              <a:solidFill>
+                <a:srgbClr val="0070C0"/>
+              </a:solidFill>
+              <a:latin typeface="微软雅黑" panose="020B0503020204020204" pitchFamily="34" charset="-122"/>
+              <a:ea typeface="微软雅黑" panose="020B0503020204020204" pitchFamily="34" charset="-122"/>
+            </a:endParaRPr>
+          </a:p>
+        </p:txBody>
+      </p:sp>
+      <p:sp>
+        <p:nvSpPr>
+          <p:cNvPr id="8" name="矩形 7"/>
+          <p:cNvSpPr/>
+          <p:nvPr/>
+        </p:nvSpPr>
+        <p:spPr>
+          <a:xfrm>
+            <a:off x="8204707" y="5075772"/>
+            <a:ext cx="1620957" cy="338554"/>
+          </a:xfrm>
+          <a:prstGeom prst="rect">
+            <a:avLst/>
+          </a:prstGeom>
+        </p:spPr>
+        <p:txBody>
+          <a:bodyPr wrap="none">
+            <a:spAutoFit/>
+          </a:bodyPr>
+          <a:lstStyle/>
+          <a:p>
+            <a:r>
+              <a:rPr lang="zh-CN" altLang="en-US" sz="1600" i="0" u="none" strike="noStrike" kern="100" baseline="0" dirty="0">
+                <a:solidFill>
+                  <a:srgbClr val="0070C0"/>
+                </a:solidFill>
+                <a:latin typeface="微软雅黑" panose="020B0503020204020204" pitchFamily="34" charset="-122"/>
+                <a:ea typeface="微软雅黑" panose="020B0503020204020204" pitchFamily="34" charset="-122"/>
+              </a:rPr>
+              <a:t>主体不完全相同</a:t>
+            </a:r>
+            <a:endParaRPr lang="zh-CN" altLang="en-US" sz="1600" dirty="0">
+              <a:solidFill>
+                <a:srgbClr val="0070C0"/>
+              </a:solidFill>
+              <a:latin typeface="微软雅黑" panose="020B0503020204020204" pitchFamily="34" charset="-122"/>
+              <a:ea typeface="微软雅黑" panose="020B0503020204020204" pitchFamily="34" charset="-122"/>
+            </a:endParaRPr>
+          </a:p>
+        </p:txBody>
+      </p:sp>
+      <p:sp>
+        <p:nvSpPr>
+          <p:cNvPr id="11" name="矩形 10"/>
+          <p:cNvSpPr/>
+          <p:nvPr/>
+        </p:nvSpPr>
+        <p:spPr>
+          <a:xfrm>
+            <a:off x="4787551" y="1824980"/>
+            <a:ext cx="2646878" cy="461665"/>
+          </a:xfrm>
+          <a:prstGeom prst="rect">
+            <a:avLst/>
+          </a:prstGeom>
+        </p:spPr>
+        <p:txBody>
+          <a:bodyPr wrap="none">
+            <a:spAutoFit/>
+          </a:bodyPr>
+          <a:lstStyle/>
+          <a:p>
+            <a:pPr lvl="0">
+              <a:lnSpc>
+                <a:spcPct val="150000"/>
+              </a:lnSpc>
+            </a:pPr>
+            <a:r>
+              <a:rPr kumimoji="0" lang="zh-CN" altLang="en-US" sz="1600" b="0" i="0" u="none" strike="noStrike" kern="100" cap="none" spc="0" normalizeH="0" baseline="0" noProof="0" dirty="0">
+                <a:ln>
+                  <a:noFill/>
+                </a:ln>
+                <a:solidFill>
+                  <a:srgbClr val="0070C0"/>
+                </a:solidFill>
+                <a:effectLst/>
+                <a:uLnTx/>
+                <a:uFillTx/>
+                <a:latin typeface="微软雅黑" panose="020B0503020204020204" pitchFamily="34" charset="-122"/>
+                <a:ea typeface="微软雅黑" panose="020B0503020204020204" pitchFamily="34" charset="-122"/>
+              </a:rPr>
+              <a:t>掩盖了二者之间的内在关系</a:t>
+            </a:r>
+          </a:p>
+        </p:txBody>
+      </p:sp>
+    </p:spTree>
+    <p:extLst>
+      <p:ext uri="{BB962C8B-B14F-4D97-AF65-F5344CB8AC3E}">
+        <p14:creationId xmlns:p14="http://schemas.microsoft.com/office/powerpoint/2010/main" val="571878645"/>
+      </p:ext>
+    </p:extLst>
+  </p:cSld>
+  <p:clrMapOvr>
+    <a:masterClrMapping/>
+  </p:clrMapOvr>
+  <mc:AlternateContent xmlns:mc="http://schemas.openxmlformats.org/markup-compatibility/2006" xmlns:p14="http://schemas.microsoft.com/office/powerpoint/2010/main">
+    <mc:Choice Requires="p14">
+      <p:transition spd="med" p14:dur="700">
+        <p:fade/>
+      </p:transition>
+    </mc:Choice>
+    <mc:Fallback xmlns="">
+      <p:transition spd="med">
+        <p:fade/>
+      </p:transition>
+    </mc:Fallback>
+  </mc:AlternateContent>
+</p:sld>
+</file>
+
+<file path=ppt/slides/slide9.xml><?xml version="1.0" encoding="utf-8"?>
 <p:sld xmlns:a="http://schemas.openxmlformats.org/drawingml/2006/main" xmlns:r="http://schemas.openxmlformats.org/officeDocument/2006/relationships" xmlns:p="http://schemas.openxmlformats.org/presentationml/2006/main">
   <p:cSld>
     <p:spTree>
@@ -10760,1494 +12423,6 @@
     <p:extLst>
       <p:ext uri="{BB962C8B-B14F-4D97-AF65-F5344CB8AC3E}">
         <p14:creationId xmlns:p14="http://schemas.microsoft.com/office/powerpoint/2010/main" val="2755023645"/>
-      </p:ext>
-    </p:extLst>
-  </p:cSld>
-  <p:clrMapOvr>
-    <a:masterClrMapping/>
-  </p:clrMapOvr>
-  <mc:AlternateContent xmlns:mc="http://schemas.openxmlformats.org/markup-compatibility/2006" xmlns:p14="http://schemas.microsoft.com/office/powerpoint/2010/main">
-    <mc:Choice Requires="p14">
-      <p:transition spd="med" p14:dur="700">
-        <p:fade/>
-      </p:transition>
-    </mc:Choice>
-    <mc:Fallback xmlns="">
-      <p:transition spd="med">
-        <p:fade/>
-      </p:transition>
-    </mc:Fallback>
-  </mc:AlternateContent>
-</p:sld>
-</file>
-
-<file path=ppt/slides/slide5.xml><?xml version="1.0" encoding="utf-8"?>
-<p:sld xmlns:a="http://schemas.openxmlformats.org/drawingml/2006/main" xmlns:r="http://schemas.openxmlformats.org/officeDocument/2006/relationships" xmlns:p="http://schemas.openxmlformats.org/presentationml/2006/main">
-  <p:cSld>
-    <p:spTree>
-      <p:nvGrpSpPr>
-        <p:cNvPr id="1" name=""/>
-        <p:cNvGrpSpPr/>
-        <p:nvPr/>
-      </p:nvGrpSpPr>
-      <p:grpSpPr>
-        <a:xfrm>
-          <a:off x="0" y="0"/>
-          <a:ext cx="0" cy="0"/>
-          <a:chOff x="0" y="0"/>
-          <a:chExt cx="0" cy="0"/>
-        </a:xfrm>
-      </p:grpSpPr>
-      <p:pic>
-        <p:nvPicPr>
-          <p:cNvPr id="6" name="图片 5"/>
-          <p:cNvPicPr>
-            <a:picLocks noChangeAspect="1"/>
-          </p:cNvPicPr>
-          <p:nvPr/>
-        </p:nvPicPr>
-        <p:blipFill rotWithShape="1">
-          <a:blip r:embed="rId2">
-            <a:extLst>
-              <a:ext uri="{28A0092B-C50C-407E-A947-70E740481C1C}">
-                <a14:useLocalDpi xmlns:a14="http://schemas.microsoft.com/office/drawing/2010/main" val="0"/>
-              </a:ext>
-            </a:extLst>
-          </a:blip>
-          <a:srcRect l="18515" r="15521"/>
-          <a:stretch/>
-        </p:blipFill>
-        <p:spPr>
-          <a:xfrm>
-            <a:off x="7913914" y="2061028"/>
-            <a:ext cx="3454400" cy="3491170"/>
-          </a:xfrm>
-          <a:prstGeom prst="ellipse">
-            <a:avLst/>
-          </a:prstGeom>
-          <a:ln>
-            <a:solidFill>
-              <a:srgbClr val="0070C0"/>
-            </a:solidFill>
-          </a:ln>
-        </p:spPr>
-      </p:pic>
-      <p:sp>
-        <p:nvSpPr>
-          <p:cNvPr id="2" name="标题 1"/>
-          <p:cNvSpPr>
-            <a:spLocks noGrp="1"/>
-          </p:cNvSpPr>
-          <p:nvPr>
-            <p:ph type="title"/>
-          </p:nvPr>
-        </p:nvSpPr>
-        <p:spPr>
-          <a:xfrm>
-            <a:off x="852714" y="336096"/>
-            <a:ext cx="10515600" cy="1325563"/>
-          </a:xfrm>
-        </p:spPr>
-        <p:txBody>
-          <a:bodyPr/>
-          <a:lstStyle/>
-          <a:p>
-            <a:pPr marR="0" rtl="0"/>
-            <a:r>
-              <a:rPr lang="zh-CN" altLang="en-US" b="1" i="0" u="none" strike="noStrike" kern="2200" baseline="0" dirty="0">
-                <a:latin typeface="Calibri" panose="020F0502020204030204" pitchFamily="34" charset="0"/>
-              </a:rPr>
-              <a:t>研究背景</a:t>
-            </a:r>
-            <a:endParaRPr lang="zh-CN" altLang="en-US" b="1" i="0" u="none" strike="noStrike" kern="2200" baseline="0" dirty="0">
-              <a:latin typeface="Times New Roman" panose="02020603050405020304" pitchFamily="18" charset="0"/>
-            </a:endParaRPr>
-          </a:p>
-        </p:txBody>
-      </p:sp>
-      <p:sp>
-        <p:nvSpPr>
-          <p:cNvPr id="3" name="文本占位符 2"/>
-          <p:cNvSpPr>
-            <a:spLocks noGrp="1"/>
-          </p:cNvSpPr>
-          <p:nvPr>
-            <p:ph type="body" idx="1"/>
-          </p:nvPr>
-        </p:nvSpPr>
-        <p:spPr>
-          <a:xfrm>
-            <a:off x="838200" y="1955121"/>
-            <a:ext cx="6230257" cy="4351338"/>
-          </a:xfrm>
-        </p:spPr>
-        <p:txBody>
-          <a:bodyPr>
-            <a:normAutofit/>
-          </a:bodyPr>
-          <a:lstStyle/>
-          <a:p>
-            <a:pPr marL="0" marR="0" lvl="0" indent="0" rtl="0">
-              <a:lnSpc>
-                <a:spcPct val="150000"/>
-              </a:lnSpc>
-              <a:buNone/>
-            </a:pPr>
-            <a:r>
-              <a:rPr lang="zh-CN" altLang="en-US" sz="1600" i="0" u="none" strike="noStrike" kern="100" baseline="0" dirty="0">
-                <a:solidFill>
-                  <a:srgbClr val="0070C0"/>
-                </a:solidFill>
-                <a:latin typeface="Calibri Light" panose="020F0302020204030204" pitchFamily="34" charset="0"/>
-              </a:rPr>
-              <a:t>大学自治和学术自由是两个关系密切而又容易混淆的概念。</a:t>
-            </a:r>
-            <a:endParaRPr lang="en-US" altLang="zh-CN" sz="1600" i="0" u="none" strike="noStrike" kern="100" baseline="0" dirty="0">
-              <a:solidFill>
-                <a:srgbClr val="0070C0"/>
-              </a:solidFill>
-              <a:latin typeface="Calibri Light" panose="020F0302020204030204" pitchFamily="34" charset="0"/>
-            </a:endParaRPr>
-          </a:p>
-          <a:p>
-            <a:pPr marL="0" marR="0" lvl="0" indent="0" rtl="0">
-              <a:lnSpc>
-                <a:spcPct val="150000"/>
-              </a:lnSpc>
-              <a:buNone/>
-            </a:pPr>
-            <a:r>
-              <a:rPr lang="zh-CN" altLang="en-US" sz="1600" i="0" u="none" strike="noStrike" kern="100" baseline="0" dirty="0">
-                <a:latin typeface="Calibri Light" panose="020F0302020204030204" pitchFamily="34" charset="0"/>
-              </a:rPr>
-              <a:t>一项对二战后美国高等教育的分析认为，如果被法律或公共观点支持，学术自由可以在大学自治缺失的情况下存在。但是又有情况显示有些外部干预会或明或暗地侵蚀学术自由，大学自治有助于维护学术自由的精神和保护这种自由免于外部的攻击。大学自治与学术自由都是建立在“传播和创造高深学问”这一大学内在逻辑的基础上的，但二者之间具有何种内在关系却一直存在争论，二者同权论和制度保障论就是两种有代表性的看法。本文试图在分析上述两种观点的基础上澄清大学自治与学术自由之间的关系。</a:t>
-            </a:r>
-            <a:endParaRPr lang="zh-CN" altLang="en-US" sz="1600" i="0" u="none" strike="noStrike" kern="100" baseline="0" dirty="0">
-              <a:latin typeface="Times New Roman" panose="02020603050405020304" pitchFamily="18" charset="0"/>
-            </a:endParaRPr>
-          </a:p>
-        </p:txBody>
-      </p:sp>
-      <p:sp>
-        <p:nvSpPr>
-          <p:cNvPr id="4" name="圆角矩形 3"/>
-          <p:cNvSpPr/>
-          <p:nvPr/>
-        </p:nvSpPr>
-        <p:spPr>
-          <a:xfrm>
-            <a:off x="286658" y="0"/>
-            <a:ext cx="551542" cy="1219200"/>
-          </a:xfrm>
-          <a:prstGeom prst="roundRect">
-            <a:avLst>
-              <a:gd name="adj" fmla="val 0"/>
-            </a:avLst>
-          </a:prstGeom>
-          <a:solidFill>
-            <a:srgbClr val="0070C0"/>
-          </a:solidFill>
-          <a:ln>
-            <a:noFill/>
-          </a:ln>
-        </p:spPr>
-        <p:style>
-          <a:lnRef idx="2">
-            <a:schemeClr val="accent1">
-              <a:shade val="50000"/>
-            </a:schemeClr>
-          </a:lnRef>
-          <a:fillRef idx="1">
-            <a:schemeClr val="accent1"/>
-          </a:fillRef>
-          <a:effectRef idx="0">
-            <a:schemeClr val="accent1"/>
-          </a:effectRef>
-          <a:fontRef idx="minor">
-            <a:schemeClr val="lt1"/>
-          </a:fontRef>
-        </p:style>
-        <p:txBody>
-          <a:bodyPr rtlCol="0" anchor="b"/>
-          <a:lstStyle/>
-          <a:p>
-            <a:pPr algn="ctr"/>
-            <a:r>
-              <a:rPr lang="en-US" altLang="zh-CN" sz="2800" dirty="0"/>
-              <a:t>01</a:t>
-            </a:r>
-            <a:endParaRPr lang="zh-CN" altLang="en-US" sz="2800" dirty="0"/>
-          </a:p>
-        </p:txBody>
-      </p:sp>
-    </p:spTree>
-    <p:extLst>
-      <p:ext uri="{BB962C8B-B14F-4D97-AF65-F5344CB8AC3E}">
-        <p14:creationId xmlns:p14="http://schemas.microsoft.com/office/powerpoint/2010/main" val="3789480065"/>
-      </p:ext>
-    </p:extLst>
-  </p:cSld>
-  <p:clrMapOvr>
-    <a:masterClrMapping/>
-  </p:clrMapOvr>
-  <mc:AlternateContent xmlns:mc="http://schemas.openxmlformats.org/markup-compatibility/2006" xmlns:p14="http://schemas.microsoft.com/office/powerpoint/2010/main">
-    <mc:Choice Requires="p14">
-      <p:transition spd="med" p14:dur="700">
-        <p:fade/>
-      </p:transition>
-    </mc:Choice>
-    <mc:Fallback xmlns="">
-      <p:transition spd="med">
-        <p:fade/>
-      </p:transition>
-    </mc:Fallback>
-  </mc:AlternateContent>
-</p:sld>
-</file>
-
-<file path=ppt/slides/slide6.xml><?xml version="1.0" encoding="utf-8"?>
-<p:sld xmlns:a="http://schemas.openxmlformats.org/drawingml/2006/main" xmlns:r="http://schemas.openxmlformats.org/officeDocument/2006/relationships" xmlns:p="http://schemas.openxmlformats.org/presentationml/2006/main">
-  <p:cSld>
-    <p:spTree>
-      <p:nvGrpSpPr>
-        <p:cNvPr id="1" name=""/>
-        <p:cNvGrpSpPr/>
-        <p:nvPr/>
-      </p:nvGrpSpPr>
-      <p:grpSpPr>
-        <a:xfrm>
-          <a:off x="0" y="0"/>
-          <a:ext cx="0" cy="0"/>
-          <a:chOff x="0" y="0"/>
-          <a:chExt cx="0" cy="0"/>
-        </a:xfrm>
-      </p:grpSpPr>
-      <p:sp>
-        <p:nvSpPr>
-          <p:cNvPr id="2" name="标题 1"/>
-          <p:cNvSpPr>
-            <a:spLocks noGrp="1"/>
-          </p:cNvSpPr>
-          <p:nvPr>
-            <p:ph type="title"/>
-          </p:nvPr>
-        </p:nvSpPr>
-        <p:spPr/>
-        <p:txBody>
-          <a:bodyPr/>
-          <a:lstStyle/>
-          <a:p>
-            <a:pPr marR="0" rtl="0"/>
-            <a:r>
-              <a:rPr lang="zh-CN" altLang="en-US" b="1" i="0" u="none" strike="noStrike" kern="2200" baseline="0" dirty="0">
-                <a:latin typeface="Calibri" panose="020F0502020204030204" pitchFamily="34" charset="0"/>
-              </a:rPr>
-              <a:t>研究意义：对我国大学法治建设的启示意义</a:t>
-            </a:r>
-            <a:endParaRPr lang="zh-CN" altLang="en-US" b="1" i="0" u="none" strike="noStrike" kern="2200" baseline="0" dirty="0">
-              <a:latin typeface="Times New Roman" panose="02020603050405020304" pitchFamily="18" charset="0"/>
-            </a:endParaRPr>
-          </a:p>
-        </p:txBody>
-      </p:sp>
-      <p:sp>
-        <p:nvSpPr>
-          <p:cNvPr id="3" name="文本占位符 2"/>
-          <p:cNvSpPr>
-            <a:spLocks noGrp="1"/>
-          </p:cNvSpPr>
-          <p:nvPr>
-            <p:ph type="body" idx="1"/>
-          </p:nvPr>
-        </p:nvSpPr>
-        <p:spPr/>
-        <p:txBody>
-          <a:bodyPr/>
-          <a:lstStyle/>
-          <a:p>
-            <a:pPr marL="0" lvl="0" indent="0">
-              <a:lnSpc>
-                <a:spcPct val="150000"/>
-              </a:lnSpc>
-              <a:buNone/>
-            </a:pPr>
-            <a:r>
-              <a:rPr lang="zh-CN" altLang="en-US" sz="2800" i="0" u="none" strike="noStrike" kern="100" baseline="0" dirty="0">
-                <a:solidFill>
-                  <a:srgbClr val="0070C0"/>
-                </a:solidFill>
-                <a:latin typeface="Calibri Light" panose="020F0302020204030204" pitchFamily="34" charset="0"/>
-              </a:rPr>
-              <a:t>在德国</a:t>
-            </a:r>
-            <a:r>
-              <a:rPr lang="zh-CN" altLang="en-US" i="0" u="none" strike="noStrike" kern="100" baseline="0" dirty="0">
-                <a:latin typeface="Calibri Light" panose="020F0302020204030204" pitchFamily="34" charset="0"/>
-              </a:rPr>
-              <a:t>，制度保障说是大学自治的法理理论中目前处于通说的地位，也得到了联邦宪法法院的认可，对大陆法系其他国家和地区的宪法理论与实践产生了巨大影响。</a:t>
-            </a:r>
-          </a:p>
-          <a:p>
-            <a:pPr marL="0" marR="0" lvl="0" indent="0" rtl="0">
-              <a:lnSpc>
-                <a:spcPct val="150000"/>
-              </a:lnSpc>
-              <a:buNone/>
-            </a:pPr>
-            <a:r>
-              <a:rPr lang="zh-CN" altLang="en-US" sz="2800" i="0" u="none" strike="noStrike" kern="100" baseline="0" dirty="0">
-                <a:solidFill>
-                  <a:srgbClr val="0070C0"/>
-                </a:solidFill>
-                <a:latin typeface="Calibri Light" panose="020F0302020204030204" pitchFamily="34" charset="0"/>
-              </a:rPr>
-              <a:t>在日本</a:t>
-            </a:r>
-            <a:r>
-              <a:rPr lang="zh-CN" altLang="en-US" i="0" u="none" strike="noStrike" kern="100" baseline="0" dirty="0">
-                <a:latin typeface="Calibri Light" panose="020F0302020204030204" pitchFamily="34" charset="0"/>
-              </a:rPr>
-              <a:t>，二战前，大学自治制度被视为一种惯行，在战后则被视为与学术自由的宪法规定具有密切不可分的关系，而受宪法的保障。</a:t>
-            </a:r>
-            <a:endParaRPr lang="en-US" altLang="zh-CN" i="0" u="none" strike="noStrike" kern="100" baseline="0" dirty="0">
-              <a:latin typeface="Calibri Light" panose="020F0302020204030204" pitchFamily="34" charset="0"/>
-            </a:endParaRPr>
-          </a:p>
-          <a:p>
-            <a:pPr marL="0" marR="0" lvl="0" indent="0" rtl="0">
-              <a:lnSpc>
-                <a:spcPct val="150000"/>
-              </a:lnSpc>
-              <a:buNone/>
-            </a:pPr>
-            <a:r>
-              <a:rPr lang="zh-CN" altLang="en-US" sz="2800" i="0" u="none" strike="noStrike" kern="100" baseline="0" dirty="0">
-                <a:solidFill>
-                  <a:srgbClr val="0070C0"/>
-                </a:solidFill>
-                <a:latin typeface="Calibri Light" panose="020F0302020204030204" pitchFamily="34" charset="0"/>
-              </a:rPr>
-              <a:t>在台湾</a:t>
-            </a:r>
-            <a:r>
-              <a:rPr lang="zh-CN" altLang="en-US" i="0" u="none" strike="noStrike" kern="100" baseline="0" dirty="0">
-                <a:latin typeface="Calibri Light" panose="020F0302020204030204" pitchFamily="34" charset="0"/>
-              </a:rPr>
-              <a:t>，相关的法律文件中更是明确认定了制度保障说，如在</a:t>
-            </a:r>
-            <a:r>
-              <a:rPr lang="en-US" altLang="zh-CN" i="0" u="none" strike="noStrike" kern="100" baseline="0" dirty="0">
-                <a:latin typeface="Calibri Light" panose="020F0302020204030204" pitchFamily="34" charset="0"/>
-              </a:rPr>
-              <a:t>380</a:t>
-            </a:r>
-            <a:r>
-              <a:rPr lang="zh-CN" altLang="en-US" i="0" u="none" strike="noStrike" kern="100" baseline="0" dirty="0">
-                <a:latin typeface="Calibri Light" panose="020F0302020204030204" pitchFamily="34" charset="0"/>
-              </a:rPr>
-              <a:t>号解释理由书中明确指出，“讲学自由之规定，以保障学术自由为目的。学术自由之保障。应自大学组织及其它建制方面，加以确保，亦即为制度性之保障。</a:t>
-            </a:r>
-            <a:endParaRPr lang="zh-CN" altLang="en-US" i="0" u="none" strike="noStrike" kern="100" baseline="0" dirty="0">
-              <a:latin typeface="Times New Roman" panose="02020603050405020304" pitchFamily="18" charset="0"/>
-            </a:endParaRPr>
-          </a:p>
-        </p:txBody>
-      </p:sp>
-      <p:sp>
-        <p:nvSpPr>
-          <p:cNvPr id="4" name="圆角矩形 3"/>
-          <p:cNvSpPr/>
-          <p:nvPr/>
-        </p:nvSpPr>
-        <p:spPr>
-          <a:xfrm>
-            <a:off x="286658" y="0"/>
-            <a:ext cx="551542" cy="1219200"/>
-          </a:xfrm>
-          <a:prstGeom prst="roundRect">
-            <a:avLst>
-              <a:gd name="adj" fmla="val 0"/>
-            </a:avLst>
-          </a:prstGeom>
-          <a:solidFill>
-            <a:srgbClr val="0070C0"/>
-          </a:solidFill>
-          <a:ln>
-            <a:noFill/>
-          </a:ln>
-        </p:spPr>
-        <p:style>
-          <a:lnRef idx="2">
-            <a:schemeClr val="accent1">
-              <a:shade val="50000"/>
-            </a:schemeClr>
-          </a:lnRef>
-          <a:fillRef idx="1">
-            <a:schemeClr val="accent1"/>
-          </a:fillRef>
-          <a:effectRef idx="0">
-            <a:schemeClr val="accent1"/>
-          </a:effectRef>
-          <a:fontRef idx="minor">
-            <a:schemeClr val="lt1"/>
-          </a:fontRef>
-        </p:style>
-        <p:txBody>
-          <a:bodyPr rtlCol="0" anchor="b"/>
-          <a:lstStyle/>
-          <a:p>
-            <a:pPr algn="ctr"/>
-            <a:r>
-              <a:rPr lang="en-US" altLang="zh-CN" sz="2800" dirty="0"/>
-              <a:t>01</a:t>
-            </a:r>
-            <a:endParaRPr lang="zh-CN" altLang="en-US" sz="2800" dirty="0"/>
-          </a:p>
-        </p:txBody>
-      </p:sp>
-    </p:spTree>
-    <p:extLst>
-      <p:ext uri="{BB962C8B-B14F-4D97-AF65-F5344CB8AC3E}">
-        <p14:creationId xmlns:p14="http://schemas.microsoft.com/office/powerpoint/2010/main" val="3554368027"/>
-      </p:ext>
-    </p:extLst>
-  </p:cSld>
-  <p:clrMapOvr>
-    <a:masterClrMapping/>
-  </p:clrMapOvr>
-  <mc:AlternateContent xmlns:mc="http://schemas.openxmlformats.org/markup-compatibility/2006" xmlns:p14="http://schemas.microsoft.com/office/powerpoint/2010/main">
-    <mc:Choice Requires="p14">
-      <p:transition spd="med" p14:dur="700">
-        <p:fade/>
-      </p:transition>
-    </mc:Choice>
-    <mc:Fallback xmlns="">
-      <p:transition spd="med">
-        <p:fade/>
-      </p:transition>
-    </mc:Fallback>
-  </mc:AlternateContent>
-</p:sld>
-</file>
-
-<file path=ppt/slides/slide7.xml><?xml version="1.0" encoding="utf-8"?>
-<p:sld xmlns:a="http://schemas.openxmlformats.org/drawingml/2006/main" xmlns:r="http://schemas.openxmlformats.org/officeDocument/2006/relationships" xmlns:p="http://schemas.openxmlformats.org/presentationml/2006/main">
-  <p:cSld>
-    <p:spTree>
-      <p:nvGrpSpPr>
-        <p:cNvPr id="1" name=""/>
-        <p:cNvGrpSpPr/>
-        <p:nvPr/>
-      </p:nvGrpSpPr>
-      <p:grpSpPr>
-        <a:xfrm>
-          <a:off x="0" y="0"/>
-          <a:ext cx="0" cy="0"/>
-          <a:chOff x="0" y="0"/>
-          <a:chExt cx="0" cy="0"/>
-        </a:xfrm>
-      </p:grpSpPr>
-      <p:sp>
-        <p:nvSpPr>
-          <p:cNvPr id="2" name="标题 1"/>
-          <p:cNvSpPr>
-            <a:spLocks noGrp="1"/>
-          </p:cNvSpPr>
-          <p:nvPr>
-            <p:ph type="title"/>
-          </p:nvPr>
-        </p:nvSpPr>
-        <p:spPr/>
-        <p:txBody>
-          <a:bodyPr/>
-          <a:lstStyle/>
-          <a:p>
-            <a:pPr marR="0" rtl="0"/>
-            <a:r>
-              <a:rPr lang="zh-CN" altLang="en-US" b="1" i="0" u="none" strike="noStrike" kern="2200" baseline="0" dirty="0">
-                <a:latin typeface="Calibri" panose="020F0502020204030204" pitchFamily="34" charset="0"/>
-              </a:rPr>
-              <a:t>研究意义：对我国大学法治建设的启示意义</a:t>
-            </a:r>
-            <a:endParaRPr lang="zh-CN" altLang="en-US" b="1" i="0" u="none" strike="noStrike" kern="2200" baseline="0" dirty="0">
-              <a:latin typeface="Times New Roman" panose="02020603050405020304" pitchFamily="18" charset="0"/>
-            </a:endParaRPr>
-          </a:p>
-        </p:txBody>
-      </p:sp>
-      <p:sp>
-        <p:nvSpPr>
-          <p:cNvPr id="3" name="文本占位符 2"/>
-          <p:cNvSpPr>
-            <a:spLocks noGrp="1"/>
-          </p:cNvSpPr>
-          <p:nvPr>
-            <p:ph type="body" idx="1"/>
-          </p:nvPr>
-        </p:nvSpPr>
-        <p:spPr>
-          <a:xfrm>
-            <a:off x="2275114" y="2338616"/>
-            <a:ext cx="8596086" cy="4351338"/>
-          </a:xfrm>
-        </p:spPr>
-        <p:txBody>
-          <a:bodyPr/>
-          <a:lstStyle/>
-          <a:p>
-            <a:pPr marL="0" lvl="0" indent="0">
-              <a:lnSpc>
-                <a:spcPct val="150000"/>
-              </a:lnSpc>
-              <a:buNone/>
-            </a:pPr>
-            <a:r>
-              <a:rPr lang="zh-CN" altLang="en-US" i="0" u="none" strike="noStrike" kern="100" baseline="0" dirty="0">
-                <a:solidFill>
-                  <a:srgbClr val="0070C0"/>
-                </a:solidFill>
-                <a:latin typeface="Calibri Light" panose="020F0302020204030204" pitchFamily="34" charset="0"/>
-              </a:rPr>
-              <a:t>在德国</a:t>
-            </a:r>
-            <a:r>
-              <a:rPr lang="zh-CN" altLang="en-US" sz="1200" i="0" u="none" strike="noStrike" kern="100" baseline="0" dirty="0">
-                <a:latin typeface="Calibri Light" panose="020F0302020204030204" pitchFamily="34" charset="0"/>
-              </a:rPr>
-              <a:t>，</a:t>
-            </a:r>
-            <a:r>
-              <a:rPr lang="zh-CN" altLang="en-US" i="0" u="none" strike="noStrike" kern="100" baseline="0" dirty="0">
-                <a:latin typeface="Calibri Light" panose="020F0302020204030204" pitchFamily="34" charset="0"/>
-              </a:rPr>
-              <a:t>制度保障说是大学自治的法理理论中目前处于通说的地位，也得到了联邦宪法法院的认可，对大陆法系其他国家和地区的宪法理论与实践产生了巨大影响。</a:t>
-            </a:r>
-          </a:p>
-          <a:p>
-            <a:pPr marL="0" marR="0" lvl="0" indent="0" rtl="0">
-              <a:lnSpc>
-                <a:spcPct val="150000"/>
-              </a:lnSpc>
-              <a:buNone/>
-            </a:pPr>
-            <a:r>
-              <a:rPr lang="zh-CN" altLang="en-US" i="0" u="none" strike="noStrike" kern="100" baseline="0" dirty="0">
-                <a:solidFill>
-                  <a:srgbClr val="0070C0"/>
-                </a:solidFill>
-                <a:latin typeface="Calibri Light" panose="020F0302020204030204" pitchFamily="34" charset="0"/>
-              </a:rPr>
-              <a:t>在日本</a:t>
-            </a:r>
-            <a:r>
-              <a:rPr lang="zh-CN" altLang="en-US" i="0" u="none" strike="noStrike" kern="100" baseline="0" dirty="0">
-                <a:latin typeface="Calibri Light" panose="020F0302020204030204" pitchFamily="34" charset="0"/>
-              </a:rPr>
-              <a:t>，二战前，大学自治制度被视为一种惯行，在战后则被视为与学术自由的宪法规定具有密切不可分的关系，而受宪法的保障。</a:t>
-            </a:r>
-            <a:endParaRPr lang="en-US" altLang="zh-CN" i="0" u="none" strike="noStrike" kern="100" baseline="0" dirty="0">
-              <a:latin typeface="Calibri Light" panose="020F0302020204030204" pitchFamily="34" charset="0"/>
-            </a:endParaRPr>
-          </a:p>
-          <a:p>
-            <a:pPr marL="0" marR="0" lvl="0" indent="0" rtl="0">
-              <a:lnSpc>
-                <a:spcPct val="150000"/>
-              </a:lnSpc>
-              <a:buNone/>
-            </a:pPr>
-            <a:r>
-              <a:rPr lang="zh-CN" altLang="en-US" i="0" u="none" strike="noStrike" kern="100" baseline="0" dirty="0">
-                <a:solidFill>
-                  <a:srgbClr val="0070C0"/>
-                </a:solidFill>
-                <a:latin typeface="Calibri Light" panose="020F0302020204030204" pitchFamily="34" charset="0"/>
-              </a:rPr>
-              <a:t>在台湾</a:t>
-            </a:r>
-            <a:r>
-              <a:rPr lang="zh-CN" altLang="en-US" i="0" u="none" strike="noStrike" kern="100" baseline="0" dirty="0">
-                <a:latin typeface="Calibri Light" panose="020F0302020204030204" pitchFamily="34" charset="0"/>
-              </a:rPr>
-              <a:t>，相关的法律文件中更是明确认定了制度保障说，如在</a:t>
-            </a:r>
-            <a:r>
-              <a:rPr lang="en-US" altLang="zh-CN" i="0" u="none" strike="noStrike" kern="100" baseline="0" dirty="0">
-                <a:latin typeface="Calibri Light" panose="020F0302020204030204" pitchFamily="34" charset="0"/>
-              </a:rPr>
-              <a:t>380</a:t>
-            </a:r>
-            <a:r>
-              <a:rPr lang="zh-CN" altLang="en-US" i="0" u="none" strike="noStrike" kern="100" baseline="0" dirty="0">
-                <a:latin typeface="Calibri Light" panose="020F0302020204030204" pitchFamily="34" charset="0"/>
-              </a:rPr>
-              <a:t>号解释理由书中明确指出，“讲学自由之规定，以保障学术自由为目的。学术自由之保障。应自大学组织及其它建制方面，加以确保，亦即为制度性之保障。</a:t>
-            </a:r>
-            <a:endParaRPr lang="zh-CN" altLang="en-US" i="0" u="none" strike="noStrike" kern="100" baseline="0" dirty="0">
-              <a:latin typeface="Times New Roman" panose="02020603050405020304" pitchFamily="18" charset="0"/>
-            </a:endParaRPr>
-          </a:p>
-        </p:txBody>
-      </p:sp>
-      <p:sp>
-        <p:nvSpPr>
-          <p:cNvPr id="4" name="圆角矩形 3"/>
-          <p:cNvSpPr/>
-          <p:nvPr/>
-        </p:nvSpPr>
-        <p:spPr>
-          <a:xfrm>
-            <a:off x="286658" y="0"/>
-            <a:ext cx="551542" cy="1219200"/>
-          </a:xfrm>
-          <a:prstGeom prst="roundRect">
-            <a:avLst>
-              <a:gd name="adj" fmla="val 0"/>
-            </a:avLst>
-          </a:prstGeom>
-          <a:solidFill>
-            <a:srgbClr val="0070C0"/>
-          </a:solidFill>
-          <a:ln>
-            <a:noFill/>
-          </a:ln>
-        </p:spPr>
-        <p:style>
-          <a:lnRef idx="2">
-            <a:schemeClr val="accent1">
-              <a:shade val="50000"/>
-            </a:schemeClr>
-          </a:lnRef>
-          <a:fillRef idx="1">
-            <a:schemeClr val="accent1"/>
-          </a:fillRef>
-          <a:effectRef idx="0">
-            <a:schemeClr val="accent1"/>
-          </a:effectRef>
-          <a:fontRef idx="minor">
-            <a:schemeClr val="lt1"/>
-          </a:fontRef>
-        </p:style>
-        <p:txBody>
-          <a:bodyPr rtlCol="0" anchor="b"/>
-          <a:lstStyle/>
-          <a:p>
-            <a:pPr algn="ctr"/>
-            <a:r>
-              <a:rPr lang="en-US" altLang="zh-CN" sz="2800" dirty="0"/>
-              <a:t>01</a:t>
-            </a:r>
-            <a:endParaRPr lang="zh-CN" altLang="en-US" sz="2800" dirty="0"/>
-          </a:p>
-        </p:txBody>
-      </p:sp>
-      <p:sp>
-        <p:nvSpPr>
-          <p:cNvPr id="5" name="文本框 4"/>
-          <p:cNvSpPr txBox="1"/>
-          <p:nvPr/>
-        </p:nvSpPr>
-        <p:spPr>
-          <a:xfrm>
-            <a:off x="1293790" y="2423135"/>
-            <a:ext cx="755335" cy="769441"/>
-          </a:xfrm>
-          <a:prstGeom prst="rect">
-            <a:avLst/>
-          </a:prstGeom>
-          <a:noFill/>
-        </p:spPr>
-        <p:txBody>
-          <a:bodyPr wrap="none" rtlCol="0">
-            <a:spAutoFit/>
-          </a:bodyPr>
-          <a:lstStyle/>
-          <a:p>
-            <a:r>
-              <a:rPr lang="en-US" altLang="zh-CN" sz="4400" dirty="0">
-                <a:solidFill>
-                  <a:srgbClr val="0070C0"/>
-                </a:solidFill>
-              </a:rPr>
-              <a:t>01</a:t>
-            </a:r>
-            <a:endParaRPr lang="zh-CN" altLang="en-US" sz="4400" dirty="0">
-              <a:solidFill>
-                <a:srgbClr val="0070C0"/>
-              </a:solidFill>
-            </a:endParaRPr>
-          </a:p>
-        </p:txBody>
-      </p:sp>
-      <p:sp>
-        <p:nvSpPr>
-          <p:cNvPr id="6" name="圆角矩形 5"/>
-          <p:cNvSpPr/>
-          <p:nvPr/>
-        </p:nvSpPr>
-        <p:spPr>
-          <a:xfrm>
-            <a:off x="2098767" y="2494884"/>
-            <a:ext cx="45719" cy="684000"/>
-          </a:xfrm>
-          <a:prstGeom prst="roundRect">
-            <a:avLst/>
-          </a:prstGeom>
-          <a:solidFill>
-            <a:srgbClr val="0070C0"/>
-          </a:solidFill>
-          <a:ln>
-            <a:noFill/>
-          </a:ln>
-        </p:spPr>
-        <p:style>
-          <a:lnRef idx="2">
-            <a:schemeClr val="accent1">
-              <a:shade val="50000"/>
-            </a:schemeClr>
-          </a:lnRef>
-          <a:fillRef idx="1">
-            <a:schemeClr val="accent1"/>
-          </a:fillRef>
-          <a:effectRef idx="0">
-            <a:schemeClr val="accent1"/>
-          </a:effectRef>
-          <a:fontRef idx="minor">
-            <a:schemeClr val="lt1"/>
-          </a:fontRef>
-        </p:style>
-        <p:txBody>
-          <a:bodyPr rtlCol="0" anchor="ctr"/>
-          <a:lstStyle/>
-          <a:p>
-            <a:pPr algn="ctr"/>
-            <a:endParaRPr lang="zh-CN" altLang="en-US"/>
-          </a:p>
-        </p:txBody>
-      </p:sp>
-      <p:sp>
-        <p:nvSpPr>
-          <p:cNvPr id="7" name="文本框 6"/>
-          <p:cNvSpPr txBox="1"/>
-          <p:nvPr/>
-        </p:nvSpPr>
-        <p:spPr>
-          <a:xfrm>
-            <a:off x="1293790" y="3351616"/>
-            <a:ext cx="755335" cy="769441"/>
-          </a:xfrm>
-          <a:prstGeom prst="rect">
-            <a:avLst/>
-          </a:prstGeom>
-          <a:noFill/>
-        </p:spPr>
-        <p:txBody>
-          <a:bodyPr wrap="none" rtlCol="0">
-            <a:spAutoFit/>
-          </a:bodyPr>
-          <a:lstStyle/>
-          <a:p>
-            <a:r>
-              <a:rPr lang="en-US" altLang="zh-CN" sz="4400" dirty="0">
-                <a:solidFill>
-                  <a:schemeClr val="tx1">
-                    <a:lumMod val="75000"/>
-                    <a:lumOff val="25000"/>
-                  </a:schemeClr>
-                </a:solidFill>
-              </a:rPr>
-              <a:t>02</a:t>
-            </a:r>
-            <a:endParaRPr lang="zh-CN" altLang="en-US" sz="4400" dirty="0">
-              <a:solidFill>
-                <a:schemeClr val="tx1">
-                  <a:lumMod val="75000"/>
-                  <a:lumOff val="25000"/>
-                </a:schemeClr>
-              </a:solidFill>
-            </a:endParaRPr>
-          </a:p>
-        </p:txBody>
-      </p:sp>
-      <p:sp>
-        <p:nvSpPr>
-          <p:cNvPr id="8" name="圆角矩形 7"/>
-          <p:cNvSpPr/>
-          <p:nvPr/>
-        </p:nvSpPr>
-        <p:spPr>
-          <a:xfrm>
-            <a:off x="2098767" y="3423365"/>
-            <a:ext cx="45719" cy="684000"/>
-          </a:xfrm>
-          <a:prstGeom prst="roundRect">
-            <a:avLst/>
-          </a:prstGeom>
-          <a:solidFill>
-            <a:schemeClr val="tx1">
-              <a:lumMod val="75000"/>
-              <a:lumOff val="25000"/>
-            </a:schemeClr>
-          </a:solidFill>
-          <a:ln>
-            <a:noFill/>
-          </a:ln>
-        </p:spPr>
-        <p:style>
-          <a:lnRef idx="2">
-            <a:schemeClr val="accent1">
-              <a:shade val="50000"/>
-            </a:schemeClr>
-          </a:lnRef>
-          <a:fillRef idx="1">
-            <a:schemeClr val="accent1"/>
-          </a:fillRef>
-          <a:effectRef idx="0">
-            <a:schemeClr val="accent1"/>
-          </a:effectRef>
-          <a:fontRef idx="minor">
-            <a:schemeClr val="lt1"/>
-          </a:fontRef>
-        </p:style>
-        <p:txBody>
-          <a:bodyPr rtlCol="0" anchor="ctr"/>
-          <a:lstStyle/>
-          <a:p>
-            <a:pPr algn="ctr"/>
-            <a:endParaRPr lang="zh-CN" altLang="en-US"/>
-          </a:p>
-        </p:txBody>
-      </p:sp>
-      <p:sp>
-        <p:nvSpPr>
-          <p:cNvPr id="9" name="文本框 8"/>
-          <p:cNvSpPr txBox="1"/>
-          <p:nvPr/>
-        </p:nvSpPr>
-        <p:spPr>
-          <a:xfrm>
-            <a:off x="1293790" y="4542874"/>
-            <a:ext cx="755335" cy="769441"/>
-          </a:xfrm>
-          <a:prstGeom prst="rect">
-            <a:avLst/>
-          </a:prstGeom>
-          <a:noFill/>
-        </p:spPr>
-        <p:txBody>
-          <a:bodyPr wrap="none" rtlCol="0">
-            <a:spAutoFit/>
-          </a:bodyPr>
-          <a:lstStyle/>
-          <a:p>
-            <a:r>
-              <a:rPr lang="en-US" altLang="zh-CN" sz="4400" dirty="0">
-                <a:solidFill>
-                  <a:srgbClr val="0070C0"/>
-                </a:solidFill>
-              </a:rPr>
-              <a:t>03</a:t>
-            </a:r>
-            <a:endParaRPr lang="zh-CN" altLang="en-US" sz="4400" dirty="0">
-              <a:solidFill>
-                <a:srgbClr val="0070C0"/>
-              </a:solidFill>
-            </a:endParaRPr>
-          </a:p>
-        </p:txBody>
-      </p:sp>
-      <p:sp>
-        <p:nvSpPr>
-          <p:cNvPr id="10" name="圆角矩形 9"/>
-          <p:cNvSpPr/>
-          <p:nvPr/>
-        </p:nvSpPr>
-        <p:spPr>
-          <a:xfrm>
-            <a:off x="2098767" y="4423595"/>
-            <a:ext cx="45719" cy="1008000"/>
-          </a:xfrm>
-          <a:prstGeom prst="roundRect">
-            <a:avLst/>
-          </a:prstGeom>
-          <a:solidFill>
-            <a:srgbClr val="0070C0"/>
-          </a:solidFill>
-          <a:ln>
-            <a:noFill/>
-          </a:ln>
-        </p:spPr>
-        <p:style>
-          <a:lnRef idx="2">
-            <a:schemeClr val="accent1">
-              <a:shade val="50000"/>
-            </a:schemeClr>
-          </a:lnRef>
-          <a:fillRef idx="1">
-            <a:schemeClr val="accent1"/>
-          </a:fillRef>
-          <a:effectRef idx="0">
-            <a:schemeClr val="accent1"/>
-          </a:effectRef>
-          <a:fontRef idx="minor">
-            <a:schemeClr val="lt1"/>
-          </a:fontRef>
-        </p:style>
-        <p:txBody>
-          <a:bodyPr rtlCol="0" anchor="ctr"/>
-          <a:lstStyle/>
-          <a:p>
-            <a:pPr algn="ctr"/>
-            <a:endParaRPr lang="zh-CN" altLang="en-US"/>
-          </a:p>
-        </p:txBody>
-      </p:sp>
-    </p:spTree>
-    <p:extLst>
-      <p:ext uri="{BB962C8B-B14F-4D97-AF65-F5344CB8AC3E}">
-        <p14:creationId xmlns:p14="http://schemas.microsoft.com/office/powerpoint/2010/main" val="1558726284"/>
-      </p:ext>
-    </p:extLst>
-  </p:cSld>
-  <p:clrMapOvr>
-    <a:masterClrMapping/>
-  </p:clrMapOvr>
-  <mc:AlternateContent xmlns:mc="http://schemas.openxmlformats.org/markup-compatibility/2006" xmlns:p14="http://schemas.microsoft.com/office/powerpoint/2010/main">
-    <mc:Choice Requires="p14">
-      <p:transition spd="med" p14:dur="700">
-        <p:fade/>
-      </p:transition>
-    </mc:Choice>
-    <mc:Fallback xmlns="">
-      <p:transition spd="med">
-        <p:fade/>
-      </p:transition>
-    </mc:Fallback>
-  </mc:AlternateContent>
-</p:sld>
-</file>
-
-<file path=ppt/slides/slide8.xml><?xml version="1.0" encoding="utf-8"?>
-<p:sld xmlns:a="http://schemas.openxmlformats.org/drawingml/2006/main" xmlns:r="http://schemas.openxmlformats.org/officeDocument/2006/relationships" xmlns:p="http://schemas.openxmlformats.org/presentationml/2006/main">
-  <p:cSld>
-    <p:spTree>
-      <p:nvGrpSpPr>
-        <p:cNvPr id="1" name=""/>
-        <p:cNvGrpSpPr/>
-        <p:nvPr/>
-      </p:nvGrpSpPr>
-      <p:grpSpPr>
-        <a:xfrm>
-          <a:off x="0" y="0"/>
-          <a:ext cx="0" cy="0"/>
-          <a:chOff x="0" y="0"/>
-          <a:chExt cx="0" cy="0"/>
-        </a:xfrm>
-      </p:grpSpPr>
-      <p:sp>
-        <p:nvSpPr>
-          <p:cNvPr id="2" name="标题 1"/>
-          <p:cNvSpPr>
-            <a:spLocks noGrp="1"/>
-          </p:cNvSpPr>
-          <p:nvPr>
-            <p:ph type="title"/>
-          </p:nvPr>
-        </p:nvSpPr>
-        <p:spPr/>
-        <p:txBody>
-          <a:bodyPr/>
-          <a:lstStyle/>
-          <a:p>
-            <a:pPr marR="0" rtl="0"/>
-            <a:r>
-              <a:rPr lang="zh-CN" altLang="en-US" b="1" i="0" u="none" strike="noStrike" kern="2200" baseline="0" dirty="0">
-                <a:latin typeface="Calibri" panose="020F0502020204030204" pitchFamily="34" charset="0"/>
-              </a:rPr>
-              <a:t>一、大学自治和学术自由的渊源</a:t>
-            </a:r>
-            <a:endParaRPr lang="zh-CN" altLang="en-US" b="1" i="0" u="none" strike="noStrike" kern="2200" baseline="0" dirty="0">
-              <a:latin typeface="Times New Roman" panose="02020603050405020304" pitchFamily="18" charset="0"/>
-            </a:endParaRPr>
-          </a:p>
-        </p:txBody>
-      </p:sp>
-      <p:sp>
-        <p:nvSpPr>
-          <p:cNvPr id="3" name="文本占位符 2"/>
-          <p:cNvSpPr>
-            <a:spLocks noGrp="1"/>
-          </p:cNvSpPr>
-          <p:nvPr>
-            <p:ph type="body" idx="1"/>
-          </p:nvPr>
-        </p:nvSpPr>
-        <p:spPr/>
-        <p:txBody>
-          <a:bodyPr>
-            <a:normAutofit/>
-          </a:bodyPr>
-          <a:lstStyle/>
-          <a:p>
-            <a:pPr>
-              <a:lnSpc>
-                <a:spcPct val="150000"/>
-              </a:lnSpc>
-              <a:buClr>
-                <a:srgbClr val="0070C0"/>
-              </a:buClr>
-              <a:buFont typeface="Wingdings" panose="05000000000000000000" pitchFamily="2" charset="2"/>
-              <a:buChar char="ü"/>
-            </a:pPr>
-            <a:r>
-              <a:rPr lang="zh-CN" altLang="en-US" sz="1400" kern="100" dirty="0">
-                <a:latin typeface="Calibri Light" panose="020F0302020204030204" pitchFamily="34" charset="0"/>
-              </a:rPr>
-              <a:t>“自治是高深学问的最悠久的传统之一”闭，大学争取自治是从建校时开始的，在中世纪产生之初，大学就产生了自治的诉求。大学具有国际性，其成员来自世界，主张普遍教学的自由，它的领域是基督教世界，而且冲破了城市的范围。大学的发展过程就是一个不断与教会、王室甚至是普通市民进行斗争的过程，斗争的手段是罢课和迁校，斗争的结果是大学有了自己的特权。</a:t>
-            </a:r>
-          </a:p>
-          <a:p>
-            <a:pPr>
-              <a:lnSpc>
-                <a:spcPct val="150000"/>
-              </a:lnSpc>
-              <a:buClr>
-                <a:srgbClr val="0070C0"/>
-              </a:buClr>
-              <a:buFont typeface="Wingdings" panose="05000000000000000000" pitchFamily="2" charset="2"/>
-              <a:buChar char="ü"/>
-            </a:pPr>
-            <a:r>
-              <a:rPr lang="zh-CN" altLang="en-US" sz="1400" kern="100" dirty="0">
-                <a:latin typeface="Calibri Light" panose="020F0302020204030204" pitchFamily="34" charset="0"/>
-              </a:rPr>
-              <a:t>而学术自由概念的产生则要晚的多，作为大学探索真理的原则学术自由首先被德国大学接受，其思想奠基者是洪堡、施莱尔马赫和费希特等人，认为大学必须将研究提升到与知识传授同等重要的地位，而要开展学术研究就需要确立学术自由的制度保障。这一思想逐渐形成经典大学的基本理念并被欧美大学普遍认同。</a:t>
-            </a:r>
-            <a:endParaRPr lang="en-US" altLang="zh-CN" sz="1400" kern="100" dirty="0">
-              <a:latin typeface="Calibri Light" panose="020F0302020204030204" pitchFamily="34" charset="0"/>
-            </a:endParaRPr>
-          </a:p>
-          <a:p>
-            <a:pPr>
-              <a:lnSpc>
-                <a:spcPct val="150000"/>
-              </a:lnSpc>
-              <a:buClr>
-                <a:srgbClr val="0070C0"/>
-              </a:buClr>
-              <a:buFont typeface="Wingdings" panose="05000000000000000000" pitchFamily="2" charset="2"/>
-              <a:buChar char="ü"/>
-            </a:pPr>
-            <a:r>
-              <a:rPr lang="zh-CN" altLang="en-US" sz="1400" kern="100" dirty="0">
-                <a:latin typeface="Calibri Light" panose="020F0302020204030204" pitchFamily="34" charset="0"/>
-              </a:rPr>
-              <a:t>学术自由在最初仅仅限于学校内部，是学校自身的行为，却无法防止来自外部力量的侵害，因此需要国家法律的认可和保障。到了</a:t>
-            </a:r>
-            <a:r>
-              <a:rPr lang="en-US" altLang="zh-CN" sz="1400" kern="100" dirty="0">
-                <a:latin typeface="Calibri Light" panose="020F0302020204030204" pitchFamily="34" charset="0"/>
-              </a:rPr>
-              <a:t>20</a:t>
-            </a:r>
-            <a:r>
-              <a:rPr lang="zh-CN" altLang="en-US" sz="1400" kern="100" dirty="0">
-                <a:latin typeface="Calibri Light" panose="020F0302020204030204" pitchFamily="34" charset="0"/>
-              </a:rPr>
-              <a:t>世纪初期，则上升为宪法基本权利，许多国家的宪法和教育基本法开始明确保障学术自由。因此，从历史上看，大学自治的理念和制度先于学术自由而产生。</a:t>
-            </a:r>
-          </a:p>
-        </p:txBody>
-      </p:sp>
-      <p:sp>
-        <p:nvSpPr>
-          <p:cNvPr id="4" name="圆角矩形 3"/>
-          <p:cNvSpPr/>
-          <p:nvPr/>
-        </p:nvSpPr>
-        <p:spPr>
-          <a:xfrm>
-            <a:off x="286658" y="0"/>
-            <a:ext cx="551542" cy="1219200"/>
-          </a:xfrm>
-          <a:prstGeom prst="roundRect">
-            <a:avLst>
-              <a:gd name="adj" fmla="val 0"/>
-            </a:avLst>
-          </a:prstGeom>
-          <a:solidFill>
-            <a:srgbClr val="0070C0"/>
-          </a:solidFill>
-          <a:ln>
-            <a:noFill/>
-          </a:ln>
-        </p:spPr>
-        <p:style>
-          <a:lnRef idx="2">
-            <a:schemeClr val="accent1">
-              <a:shade val="50000"/>
-            </a:schemeClr>
-          </a:lnRef>
-          <a:fillRef idx="1">
-            <a:schemeClr val="accent1"/>
-          </a:fillRef>
-          <a:effectRef idx="0">
-            <a:schemeClr val="accent1"/>
-          </a:effectRef>
-          <a:fontRef idx="minor">
-            <a:schemeClr val="lt1"/>
-          </a:fontRef>
-        </p:style>
-        <p:txBody>
-          <a:bodyPr rtlCol="0" anchor="b"/>
-          <a:lstStyle/>
-          <a:p>
-            <a:pPr algn="ctr"/>
-            <a:r>
-              <a:rPr lang="en-US" altLang="zh-CN" sz="2800" dirty="0"/>
-              <a:t>05</a:t>
-            </a:r>
-            <a:endParaRPr lang="zh-CN" altLang="en-US" sz="2800" dirty="0"/>
-          </a:p>
-        </p:txBody>
-      </p:sp>
-    </p:spTree>
-    <p:extLst>
-      <p:ext uri="{BB962C8B-B14F-4D97-AF65-F5344CB8AC3E}">
-        <p14:creationId xmlns:p14="http://schemas.microsoft.com/office/powerpoint/2010/main" val="1917584596"/>
-      </p:ext>
-    </p:extLst>
-  </p:cSld>
-  <p:clrMapOvr>
-    <a:masterClrMapping/>
-  </p:clrMapOvr>
-  <mc:AlternateContent xmlns:mc="http://schemas.openxmlformats.org/markup-compatibility/2006" xmlns:p14="http://schemas.microsoft.com/office/powerpoint/2010/main">
-    <mc:Choice Requires="p14">
-      <p:transition spd="med" p14:dur="700">
-        <p:fade/>
-      </p:transition>
-    </mc:Choice>
-    <mc:Fallback xmlns="">
-      <p:transition spd="med">
-        <p:fade/>
-      </p:transition>
-    </mc:Fallback>
-  </mc:AlternateContent>
-</p:sld>
-</file>
-
-<file path=ppt/slides/slide9.xml><?xml version="1.0" encoding="utf-8"?>
-<p:sld xmlns:a="http://schemas.openxmlformats.org/drawingml/2006/main" xmlns:r="http://schemas.openxmlformats.org/officeDocument/2006/relationships" xmlns:p="http://schemas.openxmlformats.org/presentationml/2006/main">
-  <p:cSld>
-    <p:spTree>
-      <p:nvGrpSpPr>
-        <p:cNvPr id="1" name=""/>
-        <p:cNvGrpSpPr/>
-        <p:nvPr/>
-      </p:nvGrpSpPr>
-      <p:grpSpPr>
-        <a:xfrm>
-          <a:off x="0" y="0"/>
-          <a:ext cx="0" cy="0"/>
-          <a:chOff x="0" y="0"/>
-          <a:chExt cx="0" cy="0"/>
-        </a:xfrm>
-      </p:grpSpPr>
-      <p:sp>
-        <p:nvSpPr>
-          <p:cNvPr id="2" name="标题 1"/>
-          <p:cNvSpPr>
-            <a:spLocks noGrp="1"/>
-          </p:cNvSpPr>
-          <p:nvPr>
-            <p:ph type="title"/>
-          </p:nvPr>
-        </p:nvSpPr>
-        <p:spPr/>
-        <p:txBody>
-          <a:bodyPr/>
-          <a:lstStyle/>
-          <a:p>
-            <a:pPr marR="0" rtl="0"/>
-            <a:r>
-              <a:rPr lang="zh-CN" altLang="en-US" b="1" i="0" u="none" strike="noStrike" kern="2200" baseline="0" dirty="0">
-                <a:latin typeface="Calibri" panose="020F0502020204030204" pitchFamily="34" charset="0"/>
-              </a:rPr>
-              <a:t>二、二者同权论</a:t>
-            </a:r>
-            <a:endParaRPr lang="zh-CN" altLang="en-US" b="1" i="0" u="none" strike="noStrike" kern="2200" baseline="0" dirty="0">
-              <a:latin typeface="Times New Roman" panose="02020603050405020304" pitchFamily="18" charset="0"/>
-            </a:endParaRPr>
-          </a:p>
-        </p:txBody>
-      </p:sp>
-      <p:sp>
-        <p:nvSpPr>
-          <p:cNvPr id="4" name="圆角矩形 3"/>
-          <p:cNvSpPr/>
-          <p:nvPr/>
-        </p:nvSpPr>
-        <p:spPr>
-          <a:xfrm>
-            <a:off x="286658" y="0"/>
-            <a:ext cx="551542" cy="1219200"/>
-          </a:xfrm>
-          <a:prstGeom prst="roundRect">
-            <a:avLst>
-              <a:gd name="adj" fmla="val 0"/>
-            </a:avLst>
-          </a:prstGeom>
-          <a:solidFill>
-            <a:srgbClr val="0070C0"/>
-          </a:solidFill>
-          <a:ln>
-            <a:noFill/>
-          </a:ln>
-        </p:spPr>
-        <p:style>
-          <a:lnRef idx="2">
-            <a:schemeClr val="accent1">
-              <a:shade val="50000"/>
-            </a:schemeClr>
-          </a:lnRef>
-          <a:fillRef idx="1">
-            <a:schemeClr val="accent1"/>
-          </a:fillRef>
-          <a:effectRef idx="0">
-            <a:schemeClr val="accent1"/>
-          </a:effectRef>
-          <a:fontRef idx="minor">
-            <a:schemeClr val="lt1"/>
-          </a:fontRef>
-        </p:style>
-        <p:txBody>
-          <a:bodyPr rtlCol="0" anchor="b"/>
-          <a:lstStyle/>
-          <a:p>
-            <a:pPr algn="ctr"/>
-            <a:r>
-              <a:rPr lang="en-US" altLang="zh-CN" sz="2800" dirty="0"/>
-              <a:t>05</a:t>
-            </a:r>
-            <a:endParaRPr lang="zh-CN" altLang="en-US" sz="2800" dirty="0"/>
-          </a:p>
-        </p:txBody>
-      </p:sp>
-      <p:graphicFrame>
-        <p:nvGraphicFramePr>
-          <p:cNvPr id="5" name="图示 4"/>
-          <p:cNvGraphicFramePr/>
-          <p:nvPr>
-            <p:extLst>
-              <p:ext uri="{D42A27DB-BD31-4B8C-83A1-F6EECF244321}">
-                <p14:modId xmlns:p14="http://schemas.microsoft.com/office/powerpoint/2010/main" val="1430224246"/>
-              </p:ext>
-            </p:extLst>
-          </p:nvPr>
-        </p:nvGraphicFramePr>
-        <p:xfrm>
-          <a:off x="3265714" y="2166875"/>
-          <a:ext cx="5660571" cy="3773714"/>
-        </p:xfrm>
-        <a:graphic>
-          <a:graphicData uri="http://schemas.openxmlformats.org/drawingml/2006/diagram">
-            <dgm:relIds xmlns:dgm="http://schemas.openxmlformats.org/drawingml/2006/diagram" xmlns:r="http://schemas.openxmlformats.org/officeDocument/2006/relationships" r:dm="rId2" r:lo="rId3" r:qs="rId4" r:cs="rId5"/>
-          </a:graphicData>
-        </a:graphic>
-      </p:graphicFrame>
-      <p:sp>
-        <p:nvSpPr>
-          <p:cNvPr id="6" name="矩形 5"/>
-          <p:cNvSpPr/>
-          <p:nvPr/>
-        </p:nvSpPr>
-        <p:spPr>
-          <a:xfrm>
-            <a:off x="7440175" y="1732646"/>
-            <a:ext cx="4770977" cy="646331"/>
-          </a:xfrm>
-          <a:prstGeom prst="rect">
-            <a:avLst/>
-          </a:prstGeom>
-        </p:spPr>
-        <p:txBody>
-          <a:bodyPr wrap="square">
-            <a:spAutoFit/>
-          </a:bodyPr>
-          <a:lstStyle/>
-          <a:p>
-            <a:pPr marL="0" lvl="1">
-              <a:lnSpc>
-                <a:spcPct val="150000"/>
-              </a:lnSpc>
-            </a:pPr>
-            <a:r>
-              <a:rPr lang="zh-CN" altLang="en-US" sz="1200" i="0" u="none" strike="noStrike" kern="100" baseline="0" dirty="0">
-                <a:solidFill>
-                  <a:schemeClr val="tx1">
-                    <a:lumMod val="75000"/>
-                    <a:lumOff val="25000"/>
-                  </a:schemeClr>
-                </a:solidFill>
-                <a:latin typeface="微软雅黑" panose="020B0503020204020204" pitchFamily="34" charset="-122"/>
-                <a:ea typeface="微软雅黑" panose="020B0503020204020204" pitchFamily="34" charset="-122"/>
-              </a:rPr>
-              <a:t>大学自治不包含学者个人的学术自由等权力诉求的意义</a:t>
-            </a:r>
-          </a:p>
-          <a:p>
-            <a:pPr marL="0" lvl="1">
-              <a:lnSpc>
-                <a:spcPct val="150000"/>
-              </a:lnSpc>
-            </a:pPr>
-            <a:r>
-              <a:rPr lang="zh-CN" altLang="en-US" sz="1200" i="0" u="none" strike="noStrike" kern="100" baseline="0" dirty="0">
-                <a:solidFill>
-                  <a:schemeClr val="tx1">
-                    <a:lumMod val="75000"/>
-                    <a:lumOff val="25000"/>
-                  </a:schemeClr>
-                </a:solidFill>
-                <a:latin typeface="微软雅黑" panose="020B0503020204020204" pitchFamily="34" charset="-122"/>
-                <a:ea typeface="微软雅黑" panose="020B0503020204020204" pitchFamily="34" charset="-122"/>
-              </a:rPr>
-              <a:t>大学自治有可能损害学者个体的学术自由</a:t>
-            </a:r>
-          </a:p>
-        </p:txBody>
-      </p:sp>
-      <p:sp>
-        <p:nvSpPr>
-          <p:cNvPr id="7" name="矩形 6"/>
-          <p:cNvSpPr/>
-          <p:nvPr/>
-        </p:nvSpPr>
-        <p:spPr>
-          <a:xfrm>
-            <a:off x="2081432" y="5075772"/>
-            <a:ext cx="1826141" cy="338554"/>
-          </a:xfrm>
-          <a:prstGeom prst="rect">
-            <a:avLst/>
-          </a:prstGeom>
-        </p:spPr>
-        <p:txBody>
-          <a:bodyPr wrap="none">
-            <a:spAutoFit/>
-          </a:bodyPr>
-          <a:lstStyle/>
-          <a:p>
-            <a:r>
-              <a:rPr lang="zh-CN" altLang="en-US" sz="1600" i="0" u="none" strike="noStrike" kern="100" baseline="0" dirty="0">
-                <a:solidFill>
-                  <a:srgbClr val="0070C0"/>
-                </a:solidFill>
-                <a:latin typeface="微软雅黑" panose="020B0503020204020204" pitchFamily="34" charset="-122"/>
-                <a:ea typeface="微软雅黑" panose="020B0503020204020204" pitchFamily="34" charset="-122"/>
-              </a:rPr>
-              <a:t>内容并非完全等同</a:t>
-            </a:r>
-            <a:endParaRPr lang="zh-CN" altLang="en-US" sz="1600" dirty="0">
-              <a:solidFill>
-                <a:srgbClr val="0070C0"/>
-              </a:solidFill>
-              <a:latin typeface="微软雅黑" panose="020B0503020204020204" pitchFamily="34" charset="-122"/>
-              <a:ea typeface="微软雅黑" panose="020B0503020204020204" pitchFamily="34" charset="-122"/>
-            </a:endParaRPr>
-          </a:p>
-        </p:txBody>
-      </p:sp>
-      <p:sp>
-        <p:nvSpPr>
-          <p:cNvPr id="8" name="矩形 7"/>
-          <p:cNvSpPr/>
-          <p:nvPr/>
-        </p:nvSpPr>
-        <p:spPr>
-          <a:xfrm>
-            <a:off x="8204707" y="5075772"/>
-            <a:ext cx="1620957" cy="338554"/>
-          </a:xfrm>
-          <a:prstGeom prst="rect">
-            <a:avLst/>
-          </a:prstGeom>
-        </p:spPr>
-        <p:txBody>
-          <a:bodyPr wrap="none">
-            <a:spAutoFit/>
-          </a:bodyPr>
-          <a:lstStyle/>
-          <a:p>
-            <a:r>
-              <a:rPr lang="zh-CN" altLang="en-US" sz="1600" i="0" u="none" strike="noStrike" kern="100" baseline="0" dirty="0">
-                <a:solidFill>
-                  <a:srgbClr val="0070C0"/>
-                </a:solidFill>
-                <a:latin typeface="微软雅黑" panose="020B0503020204020204" pitchFamily="34" charset="-122"/>
-                <a:ea typeface="微软雅黑" panose="020B0503020204020204" pitchFamily="34" charset="-122"/>
-              </a:rPr>
-              <a:t>主体不完全相同</a:t>
-            </a:r>
-            <a:endParaRPr lang="zh-CN" altLang="en-US" sz="1600" dirty="0">
-              <a:solidFill>
-                <a:srgbClr val="0070C0"/>
-              </a:solidFill>
-              <a:latin typeface="微软雅黑" panose="020B0503020204020204" pitchFamily="34" charset="-122"/>
-              <a:ea typeface="微软雅黑" panose="020B0503020204020204" pitchFamily="34" charset="-122"/>
-            </a:endParaRPr>
-          </a:p>
-        </p:txBody>
-      </p:sp>
-      <p:sp>
-        <p:nvSpPr>
-          <p:cNvPr id="11" name="矩形 10"/>
-          <p:cNvSpPr/>
-          <p:nvPr/>
-        </p:nvSpPr>
-        <p:spPr>
-          <a:xfrm>
-            <a:off x="4787551" y="1824980"/>
-            <a:ext cx="2646878" cy="461665"/>
-          </a:xfrm>
-          <a:prstGeom prst="rect">
-            <a:avLst/>
-          </a:prstGeom>
-        </p:spPr>
-        <p:txBody>
-          <a:bodyPr wrap="none">
-            <a:spAutoFit/>
-          </a:bodyPr>
-          <a:lstStyle/>
-          <a:p>
-            <a:pPr lvl="0">
-              <a:lnSpc>
-                <a:spcPct val="150000"/>
-              </a:lnSpc>
-            </a:pPr>
-            <a:r>
-              <a:rPr kumimoji="0" lang="zh-CN" altLang="en-US" sz="1600" b="0" i="0" u="none" strike="noStrike" kern="100" cap="none" spc="0" normalizeH="0" baseline="0" noProof="0" dirty="0">
-                <a:ln>
-                  <a:noFill/>
-                </a:ln>
-                <a:solidFill>
-                  <a:srgbClr val="0070C0"/>
-                </a:solidFill>
-                <a:effectLst/>
-                <a:uLnTx/>
-                <a:uFillTx/>
-                <a:latin typeface="微软雅黑" panose="020B0503020204020204" pitchFamily="34" charset="-122"/>
-                <a:ea typeface="微软雅黑" panose="020B0503020204020204" pitchFamily="34" charset="-122"/>
-              </a:rPr>
-              <a:t>掩盖了二者之间的内在关系</a:t>
-            </a:r>
-          </a:p>
-        </p:txBody>
-      </p:sp>
-    </p:spTree>
-    <p:extLst>
-      <p:ext uri="{BB962C8B-B14F-4D97-AF65-F5344CB8AC3E}">
-        <p14:creationId xmlns:p14="http://schemas.microsoft.com/office/powerpoint/2010/main" val="571878645"/>
       </p:ext>
     </p:extLst>
   </p:cSld>
